--- a/Abschluss Präsentation.pptx
+++ b/Abschluss Präsentation.pptx
@@ -11,6 +11,12 @@
     <p:sldId id="260" r:id="rId5"/>
     <p:sldId id="261" r:id="rId6"/>
     <p:sldId id="262" r:id="rId7"/>
+    <p:sldId id="264" r:id="rId8"/>
+    <p:sldId id="267" r:id="rId9"/>
+    <p:sldId id="263" r:id="rId10"/>
+    <p:sldId id="265" r:id="rId11"/>
+    <p:sldId id="266" r:id="rId12"/>
+    <p:sldId id="268" r:id="rId13"/>
   </p:sldIdLst>
   <p:sldSz cx="12192000" cy="6858000"/>
   <p:notesSz cx="6858000" cy="9144000"/>
@@ -266,7 +272,7 @@
           <a:p>
             <a:fld id="{44AD01FD-FBFA-0A44-8EDE-B29212FF824B}" type="datetimeFigureOut">
               <a:rPr lang="de-DE" smtClean="0"/>
-              <a:t>16.01.20</a:t>
+              <a:t>17.01.2020</a:t>
             </a:fld>
             <a:endParaRPr lang="de-DE"/>
           </a:p>
@@ -320,7 +326,7 @@
           <a:p>
             <a:fld id="{F7BF4972-31CE-DF4D-8CBE-FCD0B2CE9AAC}" type="slidenum">
               <a:rPr lang="de-DE" smtClean="0"/>
-              <a:t>‹#›</a:t>
+              <a:t>‹Nr.›</a:t>
             </a:fld>
             <a:endParaRPr lang="de-DE"/>
           </a:p>
@@ -466,7 +472,7 @@
           <a:p>
             <a:fld id="{44AD01FD-FBFA-0A44-8EDE-B29212FF824B}" type="datetimeFigureOut">
               <a:rPr lang="de-DE" smtClean="0"/>
-              <a:t>16.01.20</a:t>
+              <a:t>17.01.2020</a:t>
             </a:fld>
             <a:endParaRPr lang="de-DE"/>
           </a:p>
@@ -520,7 +526,7 @@
           <a:p>
             <a:fld id="{F7BF4972-31CE-DF4D-8CBE-FCD0B2CE9AAC}" type="slidenum">
               <a:rPr lang="de-DE" smtClean="0"/>
-              <a:t>‹#›</a:t>
+              <a:t>‹Nr.›</a:t>
             </a:fld>
             <a:endParaRPr lang="de-DE"/>
           </a:p>
@@ -676,7 +682,7 @@
           <a:p>
             <a:fld id="{44AD01FD-FBFA-0A44-8EDE-B29212FF824B}" type="datetimeFigureOut">
               <a:rPr lang="de-DE" smtClean="0"/>
-              <a:t>16.01.20</a:t>
+              <a:t>17.01.2020</a:t>
             </a:fld>
             <a:endParaRPr lang="de-DE"/>
           </a:p>
@@ -730,7 +736,7 @@
           <a:p>
             <a:fld id="{F7BF4972-31CE-DF4D-8CBE-FCD0B2CE9AAC}" type="slidenum">
               <a:rPr lang="de-DE" smtClean="0"/>
-              <a:t>‹#›</a:t>
+              <a:t>‹Nr.›</a:t>
             </a:fld>
             <a:endParaRPr lang="de-DE"/>
           </a:p>
@@ -876,7 +882,7 @@
           <a:p>
             <a:fld id="{44AD01FD-FBFA-0A44-8EDE-B29212FF824B}" type="datetimeFigureOut">
               <a:rPr lang="de-DE" smtClean="0"/>
-              <a:t>16.01.20</a:t>
+              <a:t>17.01.2020</a:t>
             </a:fld>
             <a:endParaRPr lang="de-DE"/>
           </a:p>
@@ -930,7 +936,7 @@
           <a:p>
             <a:fld id="{F7BF4972-31CE-DF4D-8CBE-FCD0B2CE9AAC}" type="slidenum">
               <a:rPr lang="de-DE" smtClean="0"/>
-              <a:t>‹#›</a:t>
+              <a:t>‹Nr.›</a:t>
             </a:fld>
             <a:endParaRPr lang="de-DE"/>
           </a:p>
@@ -1152,7 +1158,7 @@
           <a:p>
             <a:fld id="{44AD01FD-FBFA-0A44-8EDE-B29212FF824B}" type="datetimeFigureOut">
               <a:rPr lang="de-DE" smtClean="0"/>
-              <a:t>16.01.20</a:t>
+              <a:t>17.01.2020</a:t>
             </a:fld>
             <a:endParaRPr lang="de-DE"/>
           </a:p>
@@ -1206,7 +1212,7 @@
           <a:p>
             <a:fld id="{F7BF4972-31CE-DF4D-8CBE-FCD0B2CE9AAC}" type="slidenum">
               <a:rPr lang="de-DE" smtClean="0"/>
-              <a:t>‹#›</a:t>
+              <a:t>‹Nr.›</a:t>
             </a:fld>
             <a:endParaRPr lang="de-DE"/>
           </a:p>
@@ -1420,7 +1426,7 @@
           <a:p>
             <a:fld id="{44AD01FD-FBFA-0A44-8EDE-B29212FF824B}" type="datetimeFigureOut">
               <a:rPr lang="de-DE" smtClean="0"/>
-              <a:t>16.01.20</a:t>
+              <a:t>17.01.2020</a:t>
             </a:fld>
             <a:endParaRPr lang="de-DE"/>
           </a:p>
@@ -1474,7 +1480,7 @@
           <a:p>
             <a:fld id="{F7BF4972-31CE-DF4D-8CBE-FCD0B2CE9AAC}" type="slidenum">
               <a:rPr lang="de-DE" smtClean="0"/>
-              <a:t>‹#›</a:t>
+              <a:t>‹Nr.›</a:t>
             </a:fld>
             <a:endParaRPr lang="de-DE"/>
           </a:p>
@@ -1835,7 +1841,7 @@
           <a:p>
             <a:fld id="{44AD01FD-FBFA-0A44-8EDE-B29212FF824B}" type="datetimeFigureOut">
               <a:rPr lang="de-DE" smtClean="0"/>
-              <a:t>16.01.20</a:t>
+              <a:t>17.01.2020</a:t>
             </a:fld>
             <a:endParaRPr lang="de-DE"/>
           </a:p>
@@ -1889,7 +1895,7 @@
           <a:p>
             <a:fld id="{F7BF4972-31CE-DF4D-8CBE-FCD0B2CE9AAC}" type="slidenum">
               <a:rPr lang="de-DE" smtClean="0"/>
-              <a:t>‹#›</a:t>
+              <a:t>‹Nr.›</a:t>
             </a:fld>
             <a:endParaRPr lang="de-DE"/>
           </a:p>
@@ -1977,7 +1983,7 @@
           <a:p>
             <a:fld id="{44AD01FD-FBFA-0A44-8EDE-B29212FF824B}" type="datetimeFigureOut">
               <a:rPr lang="de-DE" smtClean="0"/>
-              <a:t>16.01.20</a:t>
+              <a:t>17.01.2020</a:t>
             </a:fld>
             <a:endParaRPr lang="de-DE"/>
           </a:p>
@@ -2031,7 +2037,7 @@
           <a:p>
             <a:fld id="{F7BF4972-31CE-DF4D-8CBE-FCD0B2CE9AAC}" type="slidenum">
               <a:rPr lang="de-DE" smtClean="0"/>
-              <a:t>‹#›</a:t>
+              <a:t>‹Nr.›</a:t>
             </a:fld>
             <a:endParaRPr lang="de-DE"/>
           </a:p>
@@ -2090,7 +2096,7 @@
           <a:p>
             <a:fld id="{44AD01FD-FBFA-0A44-8EDE-B29212FF824B}" type="datetimeFigureOut">
               <a:rPr lang="de-DE" smtClean="0"/>
-              <a:t>16.01.20</a:t>
+              <a:t>17.01.2020</a:t>
             </a:fld>
             <a:endParaRPr lang="de-DE"/>
           </a:p>
@@ -2144,7 +2150,7 @@
           <a:p>
             <a:fld id="{F7BF4972-31CE-DF4D-8CBE-FCD0B2CE9AAC}" type="slidenum">
               <a:rPr lang="de-DE" smtClean="0"/>
-              <a:t>‹#›</a:t>
+              <a:t>‹Nr.›</a:t>
             </a:fld>
             <a:endParaRPr lang="de-DE"/>
           </a:p>
@@ -2403,7 +2409,7 @@
           <a:p>
             <a:fld id="{44AD01FD-FBFA-0A44-8EDE-B29212FF824B}" type="datetimeFigureOut">
               <a:rPr lang="de-DE" smtClean="0"/>
-              <a:t>16.01.20</a:t>
+              <a:t>17.01.2020</a:t>
             </a:fld>
             <a:endParaRPr lang="de-DE"/>
           </a:p>
@@ -2457,7 +2463,7 @@
           <a:p>
             <a:fld id="{F7BF4972-31CE-DF4D-8CBE-FCD0B2CE9AAC}" type="slidenum">
               <a:rPr lang="de-DE" smtClean="0"/>
-              <a:t>‹#›</a:t>
+              <a:t>‹Nr.›</a:t>
             </a:fld>
             <a:endParaRPr lang="de-DE"/>
           </a:p>
@@ -2692,7 +2698,7 @@
           <a:p>
             <a:fld id="{44AD01FD-FBFA-0A44-8EDE-B29212FF824B}" type="datetimeFigureOut">
               <a:rPr lang="de-DE" smtClean="0"/>
-              <a:t>16.01.20</a:t>
+              <a:t>17.01.2020</a:t>
             </a:fld>
             <a:endParaRPr lang="de-DE"/>
           </a:p>
@@ -2746,7 +2752,7 @@
           <a:p>
             <a:fld id="{F7BF4972-31CE-DF4D-8CBE-FCD0B2CE9AAC}" type="slidenum">
               <a:rPr lang="de-DE" smtClean="0"/>
-              <a:t>‹#›</a:t>
+              <a:t>‹Nr.›</a:t>
             </a:fld>
             <a:endParaRPr lang="de-DE"/>
           </a:p>
@@ -2935,7 +2941,7 @@
           <a:p>
             <a:fld id="{44AD01FD-FBFA-0A44-8EDE-B29212FF824B}" type="datetimeFigureOut">
               <a:rPr lang="de-DE" smtClean="0"/>
-              <a:t>16.01.20</a:t>
+              <a:t>17.01.2020</a:t>
             </a:fld>
             <a:endParaRPr lang="de-DE"/>
           </a:p>
@@ -3025,7 +3031,7 @@
           <a:p>
             <a:fld id="{F7BF4972-31CE-DF4D-8CBE-FCD0B2CE9AAC}" type="slidenum">
               <a:rPr lang="de-DE" smtClean="0"/>
-              <a:t>‹#›</a:t>
+              <a:t>‹Nr.›</a:t>
             </a:fld>
             <a:endParaRPr lang="de-DE"/>
           </a:p>
@@ -3491,6 +3497,257 @@
 </p:sld>
 </file>
 
+<file path=ppt/slides/slide10.xml><?xml version="1.0" encoding="utf-8"?>
+<p:sld xmlns:a="http://schemas.openxmlformats.org/drawingml/2006/main" xmlns:r="http://schemas.openxmlformats.org/officeDocument/2006/relationships" xmlns:p="http://schemas.openxmlformats.org/presentationml/2006/main">
+  <p:cSld>
+    <p:bg>
+      <p:bgPr>
+        <a:solidFill>
+          <a:schemeClr val="bg1"/>
+        </a:solidFill>
+        <a:effectLst/>
+      </p:bgPr>
+    </p:bg>
+    <p:spTree>
+      <p:nvGrpSpPr>
+        <p:cNvPr id="1" name=""/>
+        <p:cNvGrpSpPr/>
+        <p:nvPr/>
+      </p:nvGrpSpPr>
+      <p:grpSpPr>
+        <a:xfrm>
+          <a:off x="0" y="0"/>
+          <a:ext cx="0" cy="0"/>
+          <a:chOff x="0" y="0"/>
+          <a:chExt cx="0" cy="0"/>
+        </a:xfrm>
+      </p:grpSpPr>
+      <p:pic>
+        <p:nvPicPr>
+          <p:cNvPr id="4" name="Inhaltsplatzhalter 3">
+            <a:extLst>
+              <a:ext uri="{FF2B5EF4-FFF2-40B4-BE49-F238E27FC236}">
+                <a16:creationId xmlns:a16="http://schemas.microsoft.com/office/drawing/2014/main" id="{8E5FF5DA-0301-407C-8D14-B3F382C637FC}"/>
+              </a:ext>
+            </a:extLst>
+          </p:cNvPr>
+          <p:cNvPicPr>
+            <a:picLocks noGrp="1" noChangeAspect="1"/>
+          </p:cNvPicPr>
+          <p:nvPr>
+            <p:ph idx="1"/>
+          </p:nvPr>
+        </p:nvPicPr>
+        <p:blipFill rotWithShape="1">
+          <a:blip r:embed="rId2"/>
+          <a:srcRect b="1747"/>
+          <a:stretch/>
+        </p:blipFill>
+        <p:spPr>
+          <a:xfrm>
+            <a:off x="20" y="10"/>
+            <a:ext cx="12191980" cy="6857990"/>
+          </a:xfrm>
+          <a:prstGeom prst="rect">
+            <a:avLst/>
+          </a:prstGeom>
+        </p:spPr>
+      </p:pic>
+    </p:spTree>
+    <p:extLst>
+      <p:ext uri="{BB962C8B-B14F-4D97-AF65-F5344CB8AC3E}">
+        <p14:creationId xmlns:p14="http://schemas.microsoft.com/office/powerpoint/2010/main" val="3074428462"/>
+      </p:ext>
+    </p:extLst>
+  </p:cSld>
+  <p:clrMapOvr>
+    <a:masterClrMapping/>
+  </p:clrMapOvr>
+</p:sld>
+</file>
+
+<file path=ppt/slides/slide11.xml><?xml version="1.0" encoding="utf-8"?>
+<p:sld xmlns:a="http://schemas.openxmlformats.org/drawingml/2006/main" xmlns:r="http://schemas.openxmlformats.org/officeDocument/2006/relationships" xmlns:p="http://schemas.openxmlformats.org/presentationml/2006/main">
+  <p:cSld>
+    <p:spTree>
+      <p:nvGrpSpPr>
+        <p:cNvPr id="1" name=""/>
+        <p:cNvGrpSpPr/>
+        <p:nvPr/>
+      </p:nvGrpSpPr>
+      <p:grpSpPr>
+        <a:xfrm>
+          <a:off x="0" y="0"/>
+          <a:ext cx="0" cy="0"/>
+          <a:chOff x="0" y="0"/>
+          <a:chExt cx="0" cy="0"/>
+        </a:xfrm>
+      </p:grpSpPr>
+      <p:sp>
+        <p:nvSpPr>
+          <p:cNvPr id="2" name="Titel 1">
+            <a:extLst>
+              <a:ext uri="{FF2B5EF4-FFF2-40B4-BE49-F238E27FC236}">
+                <a16:creationId xmlns:a16="http://schemas.microsoft.com/office/drawing/2014/main" id="{5745ADC9-6E27-4CAD-8925-1F7F3EA94B56}"/>
+              </a:ext>
+            </a:extLst>
+          </p:cNvPr>
+          <p:cNvSpPr>
+            <a:spLocks noGrp="1"/>
+          </p:cNvSpPr>
+          <p:nvPr>
+            <p:ph type="title"/>
+          </p:nvPr>
+        </p:nvSpPr>
+        <p:spPr/>
+        <p:txBody>
+          <a:bodyPr/>
+          <a:lstStyle/>
+          <a:p>
+            <a:r>
+              <a:rPr lang="de-DE" b="1" dirty="0">
+                <a:latin typeface="Arial" panose="020B0604020202020204" pitchFamily="34" charset="0"/>
+                <a:cs typeface="Arial" panose="020B0604020202020204" pitchFamily="34" charset="0"/>
+              </a:rPr>
+              <a:t>Donut Chart</a:t>
+            </a:r>
+          </a:p>
+        </p:txBody>
+      </p:sp>
+      <p:pic>
+        <p:nvPicPr>
+          <p:cNvPr id="4" name="Grafik 3">
+            <a:extLst>
+              <a:ext uri="{FF2B5EF4-FFF2-40B4-BE49-F238E27FC236}">
+                <a16:creationId xmlns:a16="http://schemas.microsoft.com/office/drawing/2014/main" id="{1AC5820A-5508-430D-A397-15C505D18441}"/>
+              </a:ext>
+            </a:extLst>
+          </p:cNvPr>
+          <p:cNvPicPr>
+            <a:picLocks noChangeAspect="1"/>
+          </p:cNvPicPr>
+          <p:nvPr/>
+        </p:nvPicPr>
+        <p:blipFill>
+          <a:blip r:embed="rId2"/>
+          <a:stretch>
+            <a:fillRect/>
+          </a:stretch>
+        </p:blipFill>
+        <p:spPr>
+          <a:xfrm>
+            <a:off x="1046191" y="2756706"/>
+            <a:ext cx="10099618" cy="3089458"/>
+          </a:xfrm>
+          <a:prstGeom prst="rect">
+            <a:avLst/>
+          </a:prstGeom>
+        </p:spPr>
+      </p:pic>
+    </p:spTree>
+    <p:extLst>
+      <p:ext uri="{BB962C8B-B14F-4D97-AF65-F5344CB8AC3E}">
+        <p14:creationId xmlns:p14="http://schemas.microsoft.com/office/powerpoint/2010/main" val="1650494578"/>
+      </p:ext>
+    </p:extLst>
+  </p:cSld>
+  <p:clrMapOvr>
+    <a:masterClrMapping/>
+  </p:clrMapOvr>
+</p:sld>
+</file>
+
+<file path=ppt/slides/slide12.xml><?xml version="1.0" encoding="utf-8"?>
+<p:sld xmlns:a="http://schemas.openxmlformats.org/drawingml/2006/main" xmlns:r="http://schemas.openxmlformats.org/officeDocument/2006/relationships" xmlns:p="http://schemas.openxmlformats.org/presentationml/2006/main">
+  <p:cSld>
+    <p:spTree>
+      <p:nvGrpSpPr>
+        <p:cNvPr id="1" name=""/>
+        <p:cNvGrpSpPr/>
+        <p:nvPr/>
+      </p:nvGrpSpPr>
+      <p:grpSpPr>
+        <a:xfrm>
+          <a:off x="0" y="0"/>
+          <a:ext cx="0" cy="0"/>
+          <a:chOff x="0" y="0"/>
+          <a:chExt cx="0" cy="0"/>
+        </a:xfrm>
+      </p:grpSpPr>
+      <p:sp>
+        <p:nvSpPr>
+          <p:cNvPr id="2" name="Titel 1">
+            <a:extLst>
+              <a:ext uri="{FF2B5EF4-FFF2-40B4-BE49-F238E27FC236}">
+                <a16:creationId xmlns:a16="http://schemas.microsoft.com/office/drawing/2014/main" id="{2A1559DC-6036-438A-9E02-49CBAC0A8083}"/>
+              </a:ext>
+            </a:extLst>
+          </p:cNvPr>
+          <p:cNvSpPr>
+            <a:spLocks noGrp="1"/>
+          </p:cNvSpPr>
+          <p:nvPr>
+            <p:ph type="title"/>
+          </p:nvPr>
+        </p:nvSpPr>
+        <p:spPr/>
+        <p:txBody>
+          <a:bodyPr/>
+          <a:lstStyle/>
+          <a:p>
+            <a:r>
+              <a:rPr lang="de-DE" b="1" dirty="0">
+                <a:latin typeface="Arial" panose="020B0604020202020204" pitchFamily="34" charset="0"/>
+                <a:cs typeface="Arial" panose="020B0604020202020204" pitchFamily="34" charset="0"/>
+              </a:rPr>
+              <a:t>Konvertieren um zu Sortieren</a:t>
+            </a:r>
+          </a:p>
+        </p:txBody>
+      </p:sp>
+      <p:pic>
+        <p:nvPicPr>
+          <p:cNvPr id="5" name="Grafik 4">
+            <a:extLst>
+              <a:ext uri="{FF2B5EF4-FFF2-40B4-BE49-F238E27FC236}">
+                <a16:creationId xmlns:a16="http://schemas.microsoft.com/office/drawing/2014/main" id="{3B802267-078F-49A3-9477-30F258E2FB02}"/>
+              </a:ext>
+            </a:extLst>
+          </p:cNvPr>
+          <p:cNvPicPr>
+            <a:picLocks noChangeAspect="1"/>
+          </p:cNvPicPr>
+          <p:nvPr/>
+        </p:nvPicPr>
+        <p:blipFill>
+          <a:blip r:embed="rId2"/>
+          <a:stretch>
+            <a:fillRect/>
+          </a:stretch>
+        </p:blipFill>
+        <p:spPr>
+          <a:xfrm>
+            <a:off x="1588176" y="2277451"/>
+            <a:ext cx="9015647" cy="4215424"/>
+          </a:xfrm>
+          <a:prstGeom prst="rect">
+            <a:avLst/>
+          </a:prstGeom>
+        </p:spPr>
+      </p:pic>
+    </p:spTree>
+    <p:extLst>
+      <p:ext uri="{BB962C8B-B14F-4D97-AF65-F5344CB8AC3E}">
+        <p14:creationId xmlns:p14="http://schemas.microsoft.com/office/powerpoint/2010/main" val="401833493"/>
+      </p:ext>
+    </p:extLst>
+  </p:cSld>
+  <p:clrMapOvr>
+    <a:masterClrMapping/>
+  </p:clrMapOvr>
+</p:sld>
+</file>
+
 <file path=ppt/slides/slide2.xml><?xml version="1.0" encoding="utf-8"?>
 <p:sld xmlns:a="http://schemas.openxmlformats.org/drawingml/2006/main" xmlns:r="http://schemas.openxmlformats.org/officeDocument/2006/relationships" xmlns:p="http://schemas.openxmlformats.org/presentationml/2006/main">
   <p:cSld>
@@ -4800,6 +5057,507 @@
     <p:extLst>
       <p:ext uri="{BB962C8B-B14F-4D97-AF65-F5344CB8AC3E}">
         <p14:creationId xmlns:p14="http://schemas.microsoft.com/office/powerpoint/2010/main" val="1552736340"/>
+      </p:ext>
+    </p:extLst>
+  </p:cSld>
+  <p:clrMapOvr>
+    <a:masterClrMapping/>
+  </p:clrMapOvr>
+</p:sld>
+</file>
+
+<file path=ppt/slides/slide7.xml><?xml version="1.0" encoding="utf-8"?>
+<p:sld xmlns:a="http://schemas.openxmlformats.org/drawingml/2006/main" xmlns:r="http://schemas.openxmlformats.org/officeDocument/2006/relationships" xmlns:p="http://schemas.openxmlformats.org/presentationml/2006/main">
+  <p:cSld>
+    <p:bg>
+      <p:bgPr>
+        <a:solidFill>
+          <a:schemeClr val="bg1"/>
+        </a:solidFill>
+        <a:effectLst/>
+      </p:bgPr>
+    </p:bg>
+    <p:spTree>
+      <p:nvGrpSpPr>
+        <p:cNvPr id="1" name=""/>
+        <p:cNvGrpSpPr/>
+        <p:nvPr/>
+      </p:nvGrpSpPr>
+      <p:grpSpPr>
+        <a:xfrm>
+          <a:off x="0" y="0"/>
+          <a:ext cx="0" cy="0"/>
+          <a:chOff x="0" y="0"/>
+          <a:chExt cx="0" cy="0"/>
+        </a:xfrm>
+      </p:grpSpPr>
+      <p:sp>
+        <p:nvSpPr>
+          <p:cNvPr id="2" name="Titel 1">
+            <a:extLst>
+              <a:ext uri="{FF2B5EF4-FFF2-40B4-BE49-F238E27FC236}">
+                <a16:creationId xmlns:a16="http://schemas.microsoft.com/office/drawing/2014/main" id="{2E40D617-44C0-4336-AE02-7AD4D742035E}"/>
+              </a:ext>
+            </a:extLst>
+          </p:cNvPr>
+          <p:cNvSpPr>
+            <a:spLocks noGrp="1"/>
+          </p:cNvSpPr>
+          <p:nvPr>
+            <p:ph type="title"/>
+          </p:nvPr>
+        </p:nvSpPr>
+        <p:spPr>
+          <a:xfrm>
+            <a:off x="838199" y="291090"/>
+            <a:ext cx="10515599" cy="932688"/>
+          </a:xfrm>
+        </p:spPr>
+        <p:txBody>
+          <a:bodyPr vert="horz" lIns="91440" tIns="45720" rIns="91440" bIns="45720" rtlCol="0" anchor="b">
+            <a:normAutofit/>
+          </a:bodyPr>
+          <a:lstStyle/>
+          <a:p>
+            <a:r>
+              <a:rPr lang="en-US" b="1" kern="1200" dirty="0">
+                <a:solidFill>
+                  <a:schemeClr val="tx1"/>
+                </a:solidFill>
+                <a:latin typeface="Arial" panose="020B0604020202020204" pitchFamily="34" charset="0"/>
+                <a:cs typeface="Arial" panose="020B0604020202020204" pitchFamily="34" charset="0"/>
+              </a:rPr>
+              <a:t>Bar Chart</a:t>
+            </a:r>
+          </a:p>
+        </p:txBody>
+      </p:sp>
+      <p:pic>
+        <p:nvPicPr>
+          <p:cNvPr id="4" name="Grafik 3">
+            <a:extLst>
+              <a:ext uri="{FF2B5EF4-FFF2-40B4-BE49-F238E27FC236}">
+                <a16:creationId xmlns:a16="http://schemas.microsoft.com/office/drawing/2014/main" id="{D9B073E3-A564-4B06-B026-48912B85E312}"/>
+              </a:ext>
+            </a:extLst>
+          </p:cNvPr>
+          <p:cNvPicPr>
+            <a:picLocks noChangeAspect="1"/>
+          </p:cNvPicPr>
+          <p:nvPr/>
+        </p:nvPicPr>
+        <p:blipFill>
+          <a:blip r:embed="rId2"/>
+          <a:stretch>
+            <a:fillRect/>
+          </a:stretch>
+        </p:blipFill>
+        <p:spPr>
+          <a:xfrm>
+            <a:off x="838200" y="2910627"/>
+            <a:ext cx="10515599" cy="2347094"/>
+          </a:xfrm>
+          <a:prstGeom prst="rect">
+            <a:avLst/>
+          </a:prstGeom>
+        </p:spPr>
+      </p:pic>
+    </p:spTree>
+    <p:extLst>
+      <p:ext uri="{BB962C8B-B14F-4D97-AF65-F5344CB8AC3E}">
+        <p14:creationId xmlns:p14="http://schemas.microsoft.com/office/powerpoint/2010/main" val="3828041640"/>
+      </p:ext>
+    </p:extLst>
+  </p:cSld>
+  <p:clrMapOvr>
+    <a:masterClrMapping/>
+  </p:clrMapOvr>
+</p:sld>
+</file>
+
+<file path=ppt/slides/slide8.xml><?xml version="1.0" encoding="utf-8"?>
+<p:sld xmlns:a="http://schemas.openxmlformats.org/drawingml/2006/main" xmlns:r="http://schemas.openxmlformats.org/officeDocument/2006/relationships" xmlns:p="http://schemas.openxmlformats.org/presentationml/2006/main">
+  <p:cSld>
+    <p:spTree>
+      <p:nvGrpSpPr>
+        <p:cNvPr id="1" name=""/>
+        <p:cNvGrpSpPr/>
+        <p:nvPr/>
+      </p:nvGrpSpPr>
+      <p:grpSpPr>
+        <a:xfrm>
+          <a:off x="0" y="0"/>
+          <a:ext cx="0" cy="0"/>
+          <a:chOff x="0" y="0"/>
+          <a:chExt cx="0" cy="0"/>
+        </a:xfrm>
+      </p:grpSpPr>
+      <p:sp>
+        <p:nvSpPr>
+          <p:cNvPr id="2" name="Titel 1">
+            <a:extLst>
+              <a:ext uri="{FF2B5EF4-FFF2-40B4-BE49-F238E27FC236}">
+                <a16:creationId xmlns:a16="http://schemas.microsoft.com/office/drawing/2014/main" id="{1EDD0536-C7CA-46AB-91C3-1604087F4983}"/>
+              </a:ext>
+            </a:extLst>
+          </p:cNvPr>
+          <p:cNvSpPr>
+            <a:spLocks noGrp="1"/>
+          </p:cNvSpPr>
+          <p:nvPr>
+            <p:ph type="title"/>
+          </p:nvPr>
+        </p:nvSpPr>
+        <p:spPr/>
+        <p:txBody>
+          <a:bodyPr/>
+          <a:lstStyle/>
+          <a:p>
+            <a:r>
+              <a:rPr lang="de-DE" b="1" dirty="0">
+                <a:latin typeface="Arial" panose="020B0604020202020204" pitchFamily="34" charset="0"/>
+                <a:cs typeface="Arial" panose="020B0604020202020204" pitchFamily="34" charset="0"/>
+              </a:rPr>
+              <a:t>Alles auf Null</a:t>
+            </a:r>
+          </a:p>
+        </p:txBody>
+      </p:sp>
+      <p:pic>
+        <p:nvPicPr>
+          <p:cNvPr id="4" name="Grafik 3">
+            <a:extLst>
+              <a:ext uri="{FF2B5EF4-FFF2-40B4-BE49-F238E27FC236}">
+                <a16:creationId xmlns:a16="http://schemas.microsoft.com/office/drawing/2014/main" id="{8E1C3438-850B-4137-AA6D-177D8A0DAF19}"/>
+              </a:ext>
+            </a:extLst>
+          </p:cNvPr>
+          <p:cNvPicPr>
+            <a:picLocks noChangeAspect="1"/>
+          </p:cNvPicPr>
+          <p:nvPr/>
+        </p:nvPicPr>
+        <p:blipFill>
+          <a:blip r:embed="rId2"/>
+          <a:stretch>
+            <a:fillRect/>
+          </a:stretch>
+        </p:blipFill>
+        <p:spPr>
+          <a:xfrm>
+            <a:off x="3450117" y="1690688"/>
+            <a:ext cx="5291766" cy="4990163"/>
+          </a:xfrm>
+          <a:prstGeom prst="rect">
+            <a:avLst/>
+          </a:prstGeom>
+        </p:spPr>
+      </p:pic>
+    </p:spTree>
+    <p:extLst>
+      <p:ext uri="{BB962C8B-B14F-4D97-AF65-F5344CB8AC3E}">
+        <p14:creationId xmlns:p14="http://schemas.microsoft.com/office/powerpoint/2010/main" val="4209369706"/>
+      </p:ext>
+    </p:extLst>
+  </p:cSld>
+  <p:clrMapOvr>
+    <a:masterClrMapping/>
+  </p:clrMapOvr>
+</p:sld>
+</file>
+
+<file path=ppt/slides/slide9.xml><?xml version="1.0" encoding="utf-8"?>
+<p:sld xmlns:a="http://schemas.openxmlformats.org/drawingml/2006/main" xmlns:r="http://schemas.openxmlformats.org/officeDocument/2006/relationships" xmlns:p="http://schemas.openxmlformats.org/presentationml/2006/main">
+  <p:cSld>
+    <p:bg>
+      <p:bgPr>
+        <a:solidFill>
+          <a:schemeClr val="bg1"/>
+        </a:solidFill>
+        <a:effectLst/>
+      </p:bgPr>
+    </p:bg>
+    <p:spTree>
+      <p:nvGrpSpPr>
+        <p:cNvPr id="1" name=""/>
+        <p:cNvGrpSpPr/>
+        <p:nvPr/>
+      </p:nvGrpSpPr>
+      <p:grpSpPr>
+        <a:xfrm>
+          <a:off x="0" y="0"/>
+          <a:ext cx="0" cy="0"/>
+          <a:chOff x="0" y="0"/>
+          <a:chExt cx="0" cy="0"/>
+        </a:xfrm>
+      </p:grpSpPr>
+      <p:pic>
+        <p:nvPicPr>
+          <p:cNvPr id="5" name="Grafik 4">
+            <a:extLst>
+              <a:ext uri="{FF2B5EF4-FFF2-40B4-BE49-F238E27FC236}">
+                <a16:creationId xmlns:a16="http://schemas.microsoft.com/office/drawing/2014/main" id="{E28F75CF-9E54-4E69-B175-30E9AE2CCC0D}"/>
+              </a:ext>
+            </a:extLst>
+          </p:cNvPr>
+          <p:cNvPicPr>
+            <a:picLocks noChangeAspect="1"/>
+          </p:cNvPicPr>
+          <p:nvPr/>
+        </p:nvPicPr>
+        <p:blipFill rotWithShape="1">
+          <a:blip r:embed="rId2"/>
+          <a:srcRect l="10667" r="-1" b="-1"/>
+          <a:stretch/>
+        </p:blipFill>
+        <p:spPr>
+          <a:xfrm>
+            <a:off x="-1" y="10"/>
+            <a:ext cx="12192000" cy="6857990"/>
+          </a:xfrm>
+          <a:prstGeom prst="rect">
+            <a:avLst/>
+          </a:prstGeom>
+        </p:spPr>
+      </p:pic>
+      <p:sp>
+        <p:nvSpPr>
+          <p:cNvPr id="17" name="Freeform 5">
+            <a:extLst>
+              <a:ext uri="{FF2B5EF4-FFF2-40B4-BE49-F238E27FC236}">
+                <a16:creationId xmlns:a16="http://schemas.microsoft.com/office/drawing/2014/main" id="{87CC2527-562A-4F69-B487-4371E5B243E7}"/>
+              </a:ext>
+              <a:ext uri="{C183D7F6-B498-43B3-948B-1728B52AA6E4}">
+                <adec:decorative xmlns:adec="http://schemas.microsoft.com/office/drawing/2017/decorative" val="1"/>
+              </a:ext>
+            </a:extLst>
+          </p:cNvPr>
+          <p:cNvSpPr>
+            <a:spLocks noGrp="1" noRot="1" noChangeAspect="1" noMove="1" noResize="1" noEditPoints="1" noAdjustHandles="1" noChangeArrowheads="1" noChangeShapeType="1" noTextEdit="1"/>
+          </p:cNvSpPr>
+          <p:nvPr>
+            <p:extLst>
+              <p:ext uri="{386F3935-93C4-4BCD-93E2-E3B085C9AB24}">
+                <p16:designElem xmlns:p16="http://schemas.microsoft.com/office/powerpoint/2015/main" val="1"/>
+              </p:ext>
+            </p:extLst>
+          </p:nvPr>
+        </p:nvSpPr>
+        <p:spPr bwMode="grayWhite">
+          <a:xfrm>
+            <a:off x="7488621" y="2277613"/>
+            <a:ext cx="4703379" cy="4580387"/>
+          </a:xfrm>
+          <a:custGeom>
+            <a:avLst/>
+            <a:gdLst>
+              <a:gd name="T0" fmla="*/ 1333 w 1333"/>
+              <a:gd name="T1" fmla="*/ 1031 h 1298"/>
+              <a:gd name="T2" fmla="*/ 1333 w 1333"/>
+              <a:gd name="T3" fmla="*/ 380 h 1298"/>
+              <a:gd name="T4" fmla="*/ 706 w 1333"/>
+              <a:gd name="T5" fmla="*/ 0 h 1298"/>
+              <a:gd name="T6" fmla="*/ 0 w 1333"/>
+              <a:gd name="T7" fmla="*/ 706 h 1298"/>
+              <a:gd name="T8" fmla="*/ 323 w 1333"/>
+              <a:gd name="T9" fmla="*/ 1298 h 1298"/>
+              <a:gd name="T10" fmla="*/ 1090 w 1333"/>
+              <a:gd name="T11" fmla="*/ 1298 h 1298"/>
+              <a:gd name="T12" fmla="*/ 1333 w 1333"/>
+              <a:gd name="T13" fmla="*/ 1031 h 1298"/>
+            </a:gdLst>
+            <a:ahLst/>
+            <a:cxnLst>
+              <a:cxn ang="0">
+                <a:pos x="T0" y="T1"/>
+              </a:cxn>
+              <a:cxn ang="0">
+                <a:pos x="T2" y="T3"/>
+              </a:cxn>
+              <a:cxn ang="0">
+                <a:pos x="T4" y="T5"/>
+              </a:cxn>
+              <a:cxn ang="0">
+                <a:pos x="T6" y="T7"/>
+              </a:cxn>
+              <a:cxn ang="0">
+                <a:pos x="T8" y="T9"/>
+              </a:cxn>
+              <a:cxn ang="0">
+                <a:pos x="T10" y="T11"/>
+              </a:cxn>
+              <a:cxn ang="0">
+                <a:pos x="T12" y="T13"/>
+              </a:cxn>
+            </a:cxnLst>
+            <a:rect l="0" t="0" r="r" b="b"/>
+            <a:pathLst>
+              <a:path w="1333" h="1298">
+                <a:moveTo>
+                  <a:pt x="1333" y="1031"/>
+                </a:moveTo>
+                <a:cubicBezTo>
+                  <a:pt x="1333" y="380"/>
+                  <a:pt x="1333" y="380"/>
+                  <a:pt x="1333" y="380"/>
+                </a:cubicBezTo>
+                <a:cubicBezTo>
+                  <a:pt x="1215" y="154"/>
+                  <a:pt x="979" y="0"/>
+                  <a:pt x="706" y="0"/>
+                </a:cubicBezTo>
+                <a:cubicBezTo>
+                  <a:pt x="317" y="0"/>
+                  <a:pt x="0" y="316"/>
+                  <a:pt x="0" y="706"/>
+                </a:cubicBezTo>
+                <a:cubicBezTo>
+                  <a:pt x="0" y="954"/>
+                  <a:pt x="129" y="1172"/>
+                  <a:pt x="323" y="1298"/>
+                </a:cubicBezTo>
+                <a:cubicBezTo>
+                  <a:pt x="1090" y="1298"/>
+                  <a:pt x="1090" y="1298"/>
+                  <a:pt x="1090" y="1298"/>
+                </a:cubicBezTo>
+                <a:cubicBezTo>
+                  <a:pt x="1193" y="1232"/>
+                  <a:pt x="1276" y="1140"/>
+                  <a:pt x="1333" y="1031"/>
+                </a:cubicBezTo>
+                <a:close/>
+              </a:path>
+            </a:pathLst>
+          </a:custGeom>
+          <a:solidFill>
+            <a:schemeClr val="bg1">
+              <a:alpha val="70000"/>
+            </a:schemeClr>
+          </a:solidFill>
+          <a:ln w="50800" cap="sq" cmpd="dbl">
+            <a:noFill/>
+            <a:miter lim="800000"/>
+          </a:ln>
+          <a:effectLst/>
+        </p:spPr>
+        <p:txBody>
+          <a:bodyPr vert="horz" lIns="91440" tIns="45720" rIns="91440" bIns="45720" rtlCol="0" anchor="t">
+            <a:normAutofit/>
+          </a:bodyPr>
+          <a:lstStyle/>
+          <a:p>
+            <a:pPr algn="ctr">
+              <a:spcAft>
+                <a:spcPts val="1000"/>
+              </a:spcAft>
+              <a:buClr>
+                <a:schemeClr val="tx1"/>
+              </a:buClr>
+              <a:buSzPct val="100000"/>
+              <a:buFont typeface="Arial"/>
+              <a:buNone/>
+            </a:pPr>
+            <a:endParaRPr lang="en-US" sz="1600" cap="all"/>
+          </a:p>
+        </p:txBody>
+      </p:sp>
+      <p:sp>
+        <p:nvSpPr>
+          <p:cNvPr id="2" name="Titel 1">
+            <a:extLst>
+              <a:ext uri="{FF2B5EF4-FFF2-40B4-BE49-F238E27FC236}">
+                <a16:creationId xmlns:a16="http://schemas.microsoft.com/office/drawing/2014/main" id="{E06BE3AC-3861-417D-8C18-AFC04AB761F2}"/>
+              </a:ext>
+            </a:extLst>
+          </p:cNvPr>
+          <p:cNvSpPr>
+            <a:spLocks noGrp="1"/>
+          </p:cNvSpPr>
+          <p:nvPr>
+            <p:ph type="title"/>
+          </p:nvPr>
+        </p:nvSpPr>
+        <p:spPr>
+          <a:xfrm>
+            <a:off x="8022021" y="3231931"/>
+            <a:ext cx="3852041" cy="1834056"/>
+          </a:xfrm>
+        </p:spPr>
+        <p:txBody>
+          <a:bodyPr vert="horz" lIns="91440" tIns="45720" rIns="91440" bIns="45720" rtlCol="0" anchor="b">
+            <a:normAutofit/>
+          </a:bodyPr>
+          <a:lstStyle/>
+          <a:p>
+            <a:pPr algn="ctr"/>
+            <a:r>
+              <a:rPr lang="en-US" sz="4000" dirty="0"/>
+              <a:t>World Map?</a:t>
+            </a:r>
+          </a:p>
+        </p:txBody>
+      </p:sp>
+      <p:cxnSp>
+        <p:nvCxnSpPr>
+          <p:cNvPr id="19" name="Straight Connector 18">
+            <a:extLst>
+              <a:ext uri="{FF2B5EF4-FFF2-40B4-BE49-F238E27FC236}">
+                <a16:creationId xmlns:a16="http://schemas.microsoft.com/office/drawing/2014/main" id="{BCDAEC91-5BCE-4B55-9CC0-43EF94CB734B}"/>
+              </a:ext>
+              <a:ext uri="{C183D7F6-B498-43B3-948B-1728B52AA6E4}">
+                <adec:decorative xmlns:adec="http://schemas.microsoft.com/office/drawing/2017/decorative" val="1"/>
+              </a:ext>
+            </a:extLst>
+          </p:cNvPr>
+          <p:cNvCxnSpPr>
+            <a:cxnSpLocks noGrp="1" noRot="1" noChangeAspect="1" noMove="1" noResize="1" noEditPoints="1" noAdjustHandles="1" noChangeArrowheads="1" noChangeShapeType="1"/>
+          </p:cNvCxnSpPr>
+          <p:nvPr>
+            <p:extLst>
+              <p:ext uri="{386F3935-93C4-4BCD-93E2-E3B085C9AB24}">
+                <p16:designElem xmlns:p16="http://schemas.microsoft.com/office/powerpoint/2015/main" val="1"/>
+              </p:ext>
+            </p:extLst>
+          </p:nvPr>
+        </p:nvCxnSpPr>
+        <p:spPr>
+          <a:xfrm>
+            <a:off x="9480331" y="5123793"/>
+            <a:ext cx="935420" cy="0"/>
+          </a:xfrm>
+          <a:prstGeom prst="line">
+            <a:avLst/>
+          </a:prstGeom>
+          <a:ln w="25400" cap="sq">
+            <a:solidFill>
+              <a:schemeClr val="tx1">
+                <a:lumMod val="85000"/>
+                <a:lumOff val="15000"/>
+              </a:schemeClr>
+            </a:solidFill>
+            <a:bevel/>
+          </a:ln>
+        </p:spPr>
+        <p:style>
+          <a:lnRef idx="1">
+            <a:schemeClr val="accent1"/>
+          </a:lnRef>
+          <a:fillRef idx="0">
+            <a:schemeClr val="accent1"/>
+          </a:fillRef>
+          <a:effectRef idx="0">
+            <a:schemeClr val="accent1"/>
+          </a:effectRef>
+          <a:fontRef idx="minor">
+            <a:schemeClr val="tx1"/>
+          </a:fontRef>
+        </p:style>
+      </p:cxnSp>
+    </p:spTree>
+    <p:extLst>
+      <p:ext uri="{BB962C8B-B14F-4D97-AF65-F5344CB8AC3E}">
+        <p14:creationId xmlns:p14="http://schemas.microsoft.com/office/powerpoint/2010/main" val="3653806441"/>
       </p:ext>
     </p:extLst>
   </p:cSld>

--- a/Abschluss Präsentation.pptx
+++ b/Abschluss Präsentation.pptx
@@ -17,6 +17,7 @@
     <p:sldId id="265" r:id="rId11"/>
     <p:sldId id="266" r:id="rId12"/>
     <p:sldId id="268" r:id="rId13"/>
+    <p:sldId id="269" r:id="rId14"/>
   </p:sldIdLst>
   <p:sldSz cx="12192000" cy="6858000"/>
   <p:notesSz cx="6858000" cy="9144000"/>
@@ -145,7 +146,7 @@
           <p:cNvPr id="2" name="Title 1">
             <a:extLst>
               <a:ext uri="{FF2B5EF4-FFF2-40B4-BE49-F238E27FC236}">
-                <a16:creationId xmlns:a16="http://schemas.microsoft.com/office/drawing/2014/main" id="{89CAFF49-7117-0547-872E-14483E882C95}"/>
+                <a16:creationId xmlns:a16="http://schemas.microsoft.com/office/drawing/2014/main" xmlns="" id="{89CAFF49-7117-0547-872E-14483E882C95}"/>
               </a:ext>
             </a:extLst>
           </p:cNvPr>
@@ -183,7 +184,7 @@
           <p:cNvPr id="3" name="Subtitle 2">
             <a:extLst>
               <a:ext uri="{FF2B5EF4-FFF2-40B4-BE49-F238E27FC236}">
-                <a16:creationId xmlns:a16="http://schemas.microsoft.com/office/drawing/2014/main" id="{6ED50EF0-A746-954D-8F22-3CA8B9F05DF9}"/>
+                <a16:creationId xmlns:a16="http://schemas.microsoft.com/office/drawing/2014/main" xmlns="" id="{6ED50EF0-A746-954D-8F22-3CA8B9F05DF9}"/>
               </a:ext>
             </a:extLst>
           </p:cNvPr>
@@ -254,7 +255,7 @@
           <p:cNvPr id="4" name="Date Placeholder 3">
             <a:extLst>
               <a:ext uri="{FF2B5EF4-FFF2-40B4-BE49-F238E27FC236}">
-                <a16:creationId xmlns:a16="http://schemas.microsoft.com/office/drawing/2014/main" id="{FE9F7871-9BA5-2B47-8229-6903E85081B0}"/>
+                <a16:creationId xmlns:a16="http://schemas.microsoft.com/office/drawing/2014/main" xmlns="" id="{FE9F7871-9BA5-2B47-8229-6903E85081B0}"/>
               </a:ext>
             </a:extLst>
           </p:cNvPr>
@@ -272,7 +273,7 @@
           <a:p>
             <a:fld id="{44AD01FD-FBFA-0A44-8EDE-B29212FF824B}" type="datetimeFigureOut">
               <a:rPr lang="de-DE" smtClean="0"/>
-              <a:t>17.01.2020</a:t>
+              <a:t>19.01.20</a:t>
             </a:fld>
             <a:endParaRPr lang="de-DE"/>
           </a:p>
@@ -283,7 +284,7 @@
           <p:cNvPr id="5" name="Footer Placeholder 4">
             <a:extLst>
               <a:ext uri="{FF2B5EF4-FFF2-40B4-BE49-F238E27FC236}">
-                <a16:creationId xmlns:a16="http://schemas.microsoft.com/office/drawing/2014/main" id="{4DCE1136-D60D-EB48-92E5-046B14D01C83}"/>
+                <a16:creationId xmlns:a16="http://schemas.microsoft.com/office/drawing/2014/main" xmlns="" id="{4DCE1136-D60D-EB48-92E5-046B14D01C83}"/>
               </a:ext>
             </a:extLst>
           </p:cNvPr>
@@ -308,7 +309,7 @@
           <p:cNvPr id="6" name="Slide Number Placeholder 5">
             <a:extLst>
               <a:ext uri="{FF2B5EF4-FFF2-40B4-BE49-F238E27FC236}">
-                <a16:creationId xmlns:a16="http://schemas.microsoft.com/office/drawing/2014/main" id="{69BF8DB3-1380-A94E-904A-DF944C7DADB0}"/>
+                <a16:creationId xmlns:a16="http://schemas.microsoft.com/office/drawing/2014/main" xmlns="" id="{69BF8DB3-1380-A94E-904A-DF944C7DADB0}"/>
               </a:ext>
             </a:extLst>
           </p:cNvPr>
@@ -367,7 +368,7 @@
           <p:cNvPr id="2" name="Title 1">
             <a:extLst>
               <a:ext uri="{FF2B5EF4-FFF2-40B4-BE49-F238E27FC236}">
-                <a16:creationId xmlns:a16="http://schemas.microsoft.com/office/drawing/2014/main" id="{F3EECAEA-4280-F344-86B8-EE5DF06920D6}"/>
+                <a16:creationId xmlns:a16="http://schemas.microsoft.com/office/drawing/2014/main" xmlns="" id="{F3EECAEA-4280-F344-86B8-EE5DF06920D6}"/>
               </a:ext>
             </a:extLst>
           </p:cNvPr>
@@ -396,7 +397,7 @@
           <p:cNvPr id="3" name="Vertical Text Placeholder 2">
             <a:extLst>
               <a:ext uri="{FF2B5EF4-FFF2-40B4-BE49-F238E27FC236}">
-                <a16:creationId xmlns:a16="http://schemas.microsoft.com/office/drawing/2014/main" id="{7C41B82E-FE48-1E40-AF35-D80C69E9914F}"/>
+                <a16:creationId xmlns:a16="http://schemas.microsoft.com/office/drawing/2014/main" xmlns="" id="{7C41B82E-FE48-1E40-AF35-D80C69E9914F}"/>
               </a:ext>
             </a:extLst>
           </p:cNvPr>
@@ -454,7 +455,7 @@
           <p:cNvPr id="4" name="Date Placeholder 3">
             <a:extLst>
               <a:ext uri="{FF2B5EF4-FFF2-40B4-BE49-F238E27FC236}">
-                <a16:creationId xmlns:a16="http://schemas.microsoft.com/office/drawing/2014/main" id="{536B0215-9F6A-2742-9806-5643FFF455FA}"/>
+                <a16:creationId xmlns:a16="http://schemas.microsoft.com/office/drawing/2014/main" xmlns="" id="{536B0215-9F6A-2742-9806-5643FFF455FA}"/>
               </a:ext>
             </a:extLst>
           </p:cNvPr>
@@ -472,7 +473,7 @@
           <a:p>
             <a:fld id="{44AD01FD-FBFA-0A44-8EDE-B29212FF824B}" type="datetimeFigureOut">
               <a:rPr lang="de-DE" smtClean="0"/>
-              <a:t>17.01.2020</a:t>
+              <a:t>19.01.20</a:t>
             </a:fld>
             <a:endParaRPr lang="de-DE"/>
           </a:p>
@@ -483,7 +484,7 @@
           <p:cNvPr id="5" name="Footer Placeholder 4">
             <a:extLst>
               <a:ext uri="{FF2B5EF4-FFF2-40B4-BE49-F238E27FC236}">
-                <a16:creationId xmlns:a16="http://schemas.microsoft.com/office/drawing/2014/main" id="{6865A395-0162-1E4C-B6F8-D755BE1A145C}"/>
+                <a16:creationId xmlns:a16="http://schemas.microsoft.com/office/drawing/2014/main" xmlns="" id="{6865A395-0162-1E4C-B6F8-D755BE1A145C}"/>
               </a:ext>
             </a:extLst>
           </p:cNvPr>
@@ -508,7 +509,7 @@
           <p:cNvPr id="6" name="Slide Number Placeholder 5">
             <a:extLst>
               <a:ext uri="{FF2B5EF4-FFF2-40B4-BE49-F238E27FC236}">
-                <a16:creationId xmlns:a16="http://schemas.microsoft.com/office/drawing/2014/main" id="{40603215-6D86-7045-8125-3E16A195FBDC}"/>
+                <a16:creationId xmlns:a16="http://schemas.microsoft.com/office/drawing/2014/main" xmlns="" id="{40603215-6D86-7045-8125-3E16A195FBDC}"/>
               </a:ext>
             </a:extLst>
           </p:cNvPr>
@@ -567,7 +568,7 @@
           <p:cNvPr id="2" name="Vertical Title 1">
             <a:extLst>
               <a:ext uri="{FF2B5EF4-FFF2-40B4-BE49-F238E27FC236}">
-                <a16:creationId xmlns:a16="http://schemas.microsoft.com/office/drawing/2014/main" id="{08D2B588-35B0-0741-8667-3ADA7FC37613}"/>
+                <a16:creationId xmlns:a16="http://schemas.microsoft.com/office/drawing/2014/main" xmlns="" id="{08D2B588-35B0-0741-8667-3ADA7FC37613}"/>
               </a:ext>
             </a:extLst>
           </p:cNvPr>
@@ -601,7 +602,7 @@
           <p:cNvPr id="3" name="Vertical Text Placeholder 2">
             <a:extLst>
               <a:ext uri="{FF2B5EF4-FFF2-40B4-BE49-F238E27FC236}">
-                <a16:creationId xmlns:a16="http://schemas.microsoft.com/office/drawing/2014/main" id="{B8C1787D-C084-9C48-8034-147D6736C8FC}"/>
+                <a16:creationId xmlns:a16="http://schemas.microsoft.com/office/drawing/2014/main" xmlns="" id="{B8C1787D-C084-9C48-8034-147D6736C8FC}"/>
               </a:ext>
             </a:extLst>
           </p:cNvPr>
@@ -664,7 +665,7 @@
           <p:cNvPr id="4" name="Date Placeholder 3">
             <a:extLst>
               <a:ext uri="{FF2B5EF4-FFF2-40B4-BE49-F238E27FC236}">
-                <a16:creationId xmlns:a16="http://schemas.microsoft.com/office/drawing/2014/main" id="{684F180B-9012-9C49-88D5-17E0912A3560}"/>
+                <a16:creationId xmlns:a16="http://schemas.microsoft.com/office/drawing/2014/main" xmlns="" id="{684F180B-9012-9C49-88D5-17E0912A3560}"/>
               </a:ext>
             </a:extLst>
           </p:cNvPr>
@@ -682,7 +683,7 @@
           <a:p>
             <a:fld id="{44AD01FD-FBFA-0A44-8EDE-B29212FF824B}" type="datetimeFigureOut">
               <a:rPr lang="de-DE" smtClean="0"/>
-              <a:t>17.01.2020</a:t>
+              <a:t>19.01.20</a:t>
             </a:fld>
             <a:endParaRPr lang="de-DE"/>
           </a:p>
@@ -693,7 +694,7 @@
           <p:cNvPr id="5" name="Footer Placeholder 4">
             <a:extLst>
               <a:ext uri="{FF2B5EF4-FFF2-40B4-BE49-F238E27FC236}">
-                <a16:creationId xmlns:a16="http://schemas.microsoft.com/office/drawing/2014/main" id="{CC3777B1-C294-F345-9351-E139C524C3F8}"/>
+                <a16:creationId xmlns:a16="http://schemas.microsoft.com/office/drawing/2014/main" xmlns="" id="{CC3777B1-C294-F345-9351-E139C524C3F8}"/>
               </a:ext>
             </a:extLst>
           </p:cNvPr>
@@ -718,7 +719,7 @@
           <p:cNvPr id="6" name="Slide Number Placeholder 5">
             <a:extLst>
               <a:ext uri="{FF2B5EF4-FFF2-40B4-BE49-F238E27FC236}">
-                <a16:creationId xmlns:a16="http://schemas.microsoft.com/office/drawing/2014/main" id="{D3903AF2-8032-1D47-8D25-C4DFBC8F8582}"/>
+                <a16:creationId xmlns:a16="http://schemas.microsoft.com/office/drawing/2014/main" xmlns="" id="{D3903AF2-8032-1D47-8D25-C4DFBC8F8582}"/>
               </a:ext>
             </a:extLst>
           </p:cNvPr>
@@ -777,7 +778,7 @@
           <p:cNvPr id="2" name="Title 1">
             <a:extLst>
               <a:ext uri="{FF2B5EF4-FFF2-40B4-BE49-F238E27FC236}">
-                <a16:creationId xmlns:a16="http://schemas.microsoft.com/office/drawing/2014/main" id="{F2E67442-1B39-D740-A132-D283E07FE13C}"/>
+                <a16:creationId xmlns:a16="http://schemas.microsoft.com/office/drawing/2014/main" xmlns="" id="{F2E67442-1B39-D740-A132-D283E07FE13C}"/>
               </a:ext>
             </a:extLst>
           </p:cNvPr>
@@ -806,7 +807,7 @@
           <p:cNvPr id="3" name="Content Placeholder 2">
             <a:extLst>
               <a:ext uri="{FF2B5EF4-FFF2-40B4-BE49-F238E27FC236}">
-                <a16:creationId xmlns:a16="http://schemas.microsoft.com/office/drawing/2014/main" id="{052610BC-733A-F245-9EB0-3DB5908E44D5}"/>
+                <a16:creationId xmlns:a16="http://schemas.microsoft.com/office/drawing/2014/main" xmlns="" id="{052610BC-733A-F245-9EB0-3DB5908E44D5}"/>
               </a:ext>
             </a:extLst>
           </p:cNvPr>
@@ -864,7 +865,7 @@
           <p:cNvPr id="4" name="Date Placeholder 3">
             <a:extLst>
               <a:ext uri="{FF2B5EF4-FFF2-40B4-BE49-F238E27FC236}">
-                <a16:creationId xmlns:a16="http://schemas.microsoft.com/office/drawing/2014/main" id="{C0AB9B18-1C9D-1941-BCD9-423A043D0B50}"/>
+                <a16:creationId xmlns:a16="http://schemas.microsoft.com/office/drawing/2014/main" xmlns="" id="{C0AB9B18-1C9D-1941-BCD9-423A043D0B50}"/>
               </a:ext>
             </a:extLst>
           </p:cNvPr>
@@ -882,7 +883,7 @@
           <a:p>
             <a:fld id="{44AD01FD-FBFA-0A44-8EDE-B29212FF824B}" type="datetimeFigureOut">
               <a:rPr lang="de-DE" smtClean="0"/>
-              <a:t>17.01.2020</a:t>
+              <a:t>19.01.20</a:t>
             </a:fld>
             <a:endParaRPr lang="de-DE"/>
           </a:p>
@@ -893,7 +894,7 @@
           <p:cNvPr id="5" name="Footer Placeholder 4">
             <a:extLst>
               <a:ext uri="{FF2B5EF4-FFF2-40B4-BE49-F238E27FC236}">
-                <a16:creationId xmlns:a16="http://schemas.microsoft.com/office/drawing/2014/main" id="{822FE234-AE11-2445-BCE2-5CA4ACB61C65}"/>
+                <a16:creationId xmlns:a16="http://schemas.microsoft.com/office/drawing/2014/main" xmlns="" id="{822FE234-AE11-2445-BCE2-5CA4ACB61C65}"/>
               </a:ext>
             </a:extLst>
           </p:cNvPr>
@@ -918,7 +919,7 @@
           <p:cNvPr id="6" name="Slide Number Placeholder 5">
             <a:extLst>
               <a:ext uri="{FF2B5EF4-FFF2-40B4-BE49-F238E27FC236}">
-                <a16:creationId xmlns:a16="http://schemas.microsoft.com/office/drawing/2014/main" id="{90AA9EC3-2F86-E048-94D9-55318ED3E895}"/>
+                <a16:creationId xmlns:a16="http://schemas.microsoft.com/office/drawing/2014/main" xmlns="" id="{90AA9EC3-2F86-E048-94D9-55318ED3E895}"/>
               </a:ext>
             </a:extLst>
           </p:cNvPr>
@@ -977,7 +978,7 @@
           <p:cNvPr id="2" name="Title 1">
             <a:extLst>
               <a:ext uri="{FF2B5EF4-FFF2-40B4-BE49-F238E27FC236}">
-                <a16:creationId xmlns:a16="http://schemas.microsoft.com/office/drawing/2014/main" id="{5221AB16-5FED-6843-90EF-755264C7D68E}"/>
+                <a16:creationId xmlns:a16="http://schemas.microsoft.com/office/drawing/2014/main" xmlns="" id="{5221AB16-5FED-6843-90EF-755264C7D68E}"/>
               </a:ext>
             </a:extLst>
           </p:cNvPr>
@@ -1015,7 +1016,7 @@
           <p:cNvPr id="3" name="Text Placeholder 2">
             <a:extLst>
               <a:ext uri="{FF2B5EF4-FFF2-40B4-BE49-F238E27FC236}">
-                <a16:creationId xmlns:a16="http://schemas.microsoft.com/office/drawing/2014/main" id="{1E5A506A-060E-5646-9847-A321F78D5FF9}"/>
+                <a16:creationId xmlns:a16="http://schemas.microsoft.com/office/drawing/2014/main" xmlns="" id="{1E5A506A-060E-5646-9847-A321F78D5FF9}"/>
               </a:ext>
             </a:extLst>
           </p:cNvPr>
@@ -1140,7 +1141,7 @@
           <p:cNvPr id="4" name="Date Placeholder 3">
             <a:extLst>
               <a:ext uri="{FF2B5EF4-FFF2-40B4-BE49-F238E27FC236}">
-                <a16:creationId xmlns:a16="http://schemas.microsoft.com/office/drawing/2014/main" id="{BF8575D7-0FB3-C24E-B1D7-60B31004C402}"/>
+                <a16:creationId xmlns:a16="http://schemas.microsoft.com/office/drawing/2014/main" xmlns="" id="{BF8575D7-0FB3-C24E-B1D7-60B31004C402}"/>
               </a:ext>
             </a:extLst>
           </p:cNvPr>
@@ -1158,7 +1159,7 @@
           <a:p>
             <a:fld id="{44AD01FD-FBFA-0A44-8EDE-B29212FF824B}" type="datetimeFigureOut">
               <a:rPr lang="de-DE" smtClean="0"/>
-              <a:t>17.01.2020</a:t>
+              <a:t>19.01.20</a:t>
             </a:fld>
             <a:endParaRPr lang="de-DE"/>
           </a:p>
@@ -1169,7 +1170,7 @@
           <p:cNvPr id="5" name="Footer Placeholder 4">
             <a:extLst>
               <a:ext uri="{FF2B5EF4-FFF2-40B4-BE49-F238E27FC236}">
-                <a16:creationId xmlns:a16="http://schemas.microsoft.com/office/drawing/2014/main" id="{A4733E6F-D631-EB48-A825-008B8C9BF546}"/>
+                <a16:creationId xmlns:a16="http://schemas.microsoft.com/office/drawing/2014/main" xmlns="" id="{A4733E6F-D631-EB48-A825-008B8C9BF546}"/>
               </a:ext>
             </a:extLst>
           </p:cNvPr>
@@ -1194,7 +1195,7 @@
           <p:cNvPr id="6" name="Slide Number Placeholder 5">
             <a:extLst>
               <a:ext uri="{FF2B5EF4-FFF2-40B4-BE49-F238E27FC236}">
-                <a16:creationId xmlns:a16="http://schemas.microsoft.com/office/drawing/2014/main" id="{72D2BBBD-1990-5140-8476-1B0641A2B1DD}"/>
+                <a16:creationId xmlns:a16="http://schemas.microsoft.com/office/drawing/2014/main" xmlns="" id="{72D2BBBD-1990-5140-8476-1B0641A2B1DD}"/>
               </a:ext>
             </a:extLst>
           </p:cNvPr>
@@ -1253,7 +1254,7 @@
           <p:cNvPr id="2" name="Title 1">
             <a:extLst>
               <a:ext uri="{FF2B5EF4-FFF2-40B4-BE49-F238E27FC236}">
-                <a16:creationId xmlns:a16="http://schemas.microsoft.com/office/drawing/2014/main" id="{A75AD400-72FE-8D48-AED4-82C682668397}"/>
+                <a16:creationId xmlns:a16="http://schemas.microsoft.com/office/drawing/2014/main" xmlns="" id="{A75AD400-72FE-8D48-AED4-82C682668397}"/>
               </a:ext>
             </a:extLst>
           </p:cNvPr>
@@ -1282,7 +1283,7 @@
           <p:cNvPr id="3" name="Content Placeholder 2">
             <a:extLst>
               <a:ext uri="{FF2B5EF4-FFF2-40B4-BE49-F238E27FC236}">
-                <a16:creationId xmlns:a16="http://schemas.microsoft.com/office/drawing/2014/main" id="{8FF8FA0F-E23B-0745-B2B3-4AD57033686C}"/>
+                <a16:creationId xmlns:a16="http://schemas.microsoft.com/office/drawing/2014/main" xmlns="" id="{8FF8FA0F-E23B-0745-B2B3-4AD57033686C}"/>
               </a:ext>
             </a:extLst>
           </p:cNvPr>
@@ -1345,7 +1346,7 @@
           <p:cNvPr id="4" name="Content Placeholder 3">
             <a:extLst>
               <a:ext uri="{FF2B5EF4-FFF2-40B4-BE49-F238E27FC236}">
-                <a16:creationId xmlns:a16="http://schemas.microsoft.com/office/drawing/2014/main" id="{41F053CF-EBEF-AC40-94C3-643F908E85D6}"/>
+                <a16:creationId xmlns:a16="http://schemas.microsoft.com/office/drawing/2014/main" xmlns="" id="{41F053CF-EBEF-AC40-94C3-643F908E85D6}"/>
               </a:ext>
             </a:extLst>
           </p:cNvPr>
@@ -1408,7 +1409,7 @@
           <p:cNvPr id="5" name="Date Placeholder 4">
             <a:extLst>
               <a:ext uri="{FF2B5EF4-FFF2-40B4-BE49-F238E27FC236}">
-                <a16:creationId xmlns:a16="http://schemas.microsoft.com/office/drawing/2014/main" id="{3402A28A-235A-9442-B439-42B8A9BBA9B1}"/>
+                <a16:creationId xmlns:a16="http://schemas.microsoft.com/office/drawing/2014/main" xmlns="" id="{3402A28A-235A-9442-B439-42B8A9BBA9B1}"/>
               </a:ext>
             </a:extLst>
           </p:cNvPr>
@@ -1426,7 +1427,7 @@
           <a:p>
             <a:fld id="{44AD01FD-FBFA-0A44-8EDE-B29212FF824B}" type="datetimeFigureOut">
               <a:rPr lang="de-DE" smtClean="0"/>
-              <a:t>17.01.2020</a:t>
+              <a:t>19.01.20</a:t>
             </a:fld>
             <a:endParaRPr lang="de-DE"/>
           </a:p>
@@ -1437,7 +1438,7 @@
           <p:cNvPr id="6" name="Footer Placeholder 5">
             <a:extLst>
               <a:ext uri="{FF2B5EF4-FFF2-40B4-BE49-F238E27FC236}">
-                <a16:creationId xmlns:a16="http://schemas.microsoft.com/office/drawing/2014/main" id="{5A6E53D4-6C8B-B34D-BE86-A737DEE7A2FD}"/>
+                <a16:creationId xmlns:a16="http://schemas.microsoft.com/office/drawing/2014/main" xmlns="" id="{5A6E53D4-6C8B-B34D-BE86-A737DEE7A2FD}"/>
               </a:ext>
             </a:extLst>
           </p:cNvPr>
@@ -1462,7 +1463,7 @@
           <p:cNvPr id="7" name="Slide Number Placeholder 6">
             <a:extLst>
               <a:ext uri="{FF2B5EF4-FFF2-40B4-BE49-F238E27FC236}">
-                <a16:creationId xmlns:a16="http://schemas.microsoft.com/office/drawing/2014/main" id="{94B450F5-EBC1-C446-8BC7-5EBB81C09B00}"/>
+                <a16:creationId xmlns:a16="http://schemas.microsoft.com/office/drawing/2014/main" xmlns="" id="{94B450F5-EBC1-C446-8BC7-5EBB81C09B00}"/>
               </a:ext>
             </a:extLst>
           </p:cNvPr>
@@ -1521,7 +1522,7 @@
           <p:cNvPr id="2" name="Title 1">
             <a:extLst>
               <a:ext uri="{FF2B5EF4-FFF2-40B4-BE49-F238E27FC236}">
-                <a16:creationId xmlns:a16="http://schemas.microsoft.com/office/drawing/2014/main" id="{D47DFE96-EA5C-C048-B37F-E09592CA97D3}"/>
+                <a16:creationId xmlns:a16="http://schemas.microsoft.com/office/drawing/2014/main" xmlns="" id="{D47DFE96-EA5C-C048-B37F-E09592CA97D3}"/>
               </a:ext>
             </a:extLst>
           </p:cNvPr>
@@ -1555,7 +1556,7 @@
           <p:cNvPr id="3" name="Text Placeholder 2">
             <a:extLst>
               <a:ext uri="{FF2B5EF4-FFF2-40B4-BE49-F238E27FC236}">
-                <a16:creationId xmlns:a16="http://schemas.microsoft.com/office/drawing/2014/main" id="{5E94209D-60C3-D842-84E0-89A40C2C864A}"/>
+                <a16:creationId xmlns:a16="http://schemas.microsoft.com/office/drawing/2014/main" xmlns="" id="{5E94209D-60C3-D842-84E0-89A40C2C864A}"/>
               </a:ext>
             </a:extLst>
           </p:cNvPr>
@@ -1626,7 +1627,7 @@
           <p:cNvPr id="4" name="Content Placeholder 3">
             <a:extLst>
               <a:ext uri="{FF2B5EF4-FFF2-40B4-BE49-F238E27FC236}">
-                <a16:creationId xmlns:a16="http://schemas.microsoft.com/office/drawing/2014/main" id="{92B602DC-219C-0342-B63D-898EDB6B3284}"/>
+                <a16:creationId xmlns:a16="http://schemas.microsoft.com/office/drawing/2014/main" xmlns="" id="{92B602DC-219C-0342-B63D-898EDB6B3284}"/>
               </a:ext>
             </a:extLst>
           </p:cNvPr>
@@ -1689,7 +1690,7 @@
           <p:cNvPr id="5" name="Text Placeholder 4">
             <a:extLst>
               <a:ext uri="{FF2B5EF4-FFF2-40B4-BE49-F238E27FC236}">
-                <a16:creationId xmlns:a16="http://schemas.microsoft.com/office/drawing/2014/main" id="{A887AFDF-A148-5945-AB24-0BC106CB9C85}"/>
+                <a16:creationId xmlns:a16="http://schemas.microsoft.com/office/drawing/2014/main" xmlns="" id="{A887AFDF-A148-5945-AB24-0BC106CB9C85}"/>
               </a:ext>
             </a:extLst>
           </p:cNvPr>
@@ -1760,7 +1761,7 @@
           <p:cNvPr id="6" name="Content Placeholder 5">
             <a:extLst>
               <a:ext uri="{FF2B5EF4-FFF2-40B4-BE49-F238E27FC236}">
-                <a16:creationId xmlns:a16="http://schemas.microsoft.com/office/drawing/2014/main" id="{855ED0A6-BD7F-284B-A2BE-DD1A05D3F3CC}"/>
+                <a16:creationId xmlns:a16="http://schemas.microsoft.com/office/drawing/2014/main" xmlns="" id="{855ED0A6-BD7F-284B-A2BE-DD1A05D3F3CC}"/>
               </a:ext>
             </a:extLst>
           </p:cNvPr>
@@ -1823,7 +1824,7 @@
           <p:cNvPr id="7" name="Date Placeholder 6">
             <a:extLst>
               <a:ext uri="{FF2B5EF4-FFF2-40B4-BE49-F238E27FC236}">
-                <a16:creationId xmlns:a16="http://schemas.microsoft.com/office/drawing/2014/main" id="{7D97BF75-A792-1846-9183-946BB0A41036}"/>
+                <a16:creationId xmlns:a16="http://schemas.microsoft.com/office/drawing/2014/main" xmlns="" id="{7D97BF75-A792-1846-9183-946BB0A41036}"/>
               </a:ext>
             </a:extLst>
           </p:cNvPr>
@@ -1841,7 +1842,7 @@
           <a:p>
             <a:fld id="{44AD01FD-FBFA-0A44-8EDE-B29212FF824B}" type="datetimeFigureOut">
               <a:rPr lang="de-DE" smtClean="0"/>
-              <a:t>17.01.2020</a:t>
+              <a:t>19.01.20</a:t>
             </a:fld>
             <a:endParaRPr lang="de-DE"/>
           </a:p>
@@ -1852,7 +1853,7 @@
           <p:cNvPr id="8" name="Footer Placeholder 7">
             <a:extLst>
               <a:ext uri="{FF2B5EF4-FFF2-40B4-BE49-F238E27FC236}">
-                <a16:creationId xmlns:a16="http://schemas.microsoft.com/office/drawing/2014/main" id="{34297530-6CCC-D14D-AF8B-C0F54B07882E}"/>
+                <a16:creationId xmlns:a16="http://schemas.microsoft.com/office/drawing/2014/main" xmlns="" id="{34297530-6CCC-D14D-AF8B-C0F54B07882E}"/>
               </a:ext>
             </a:extLst>
           </p:cNvPr>
@@ -1877,7 +1878,7 @@
           <p:cNvPr id="9" name="Slide Number Placeholder 8">
             <a:extLst>
               <a:ext uri="{FF2B5EF4-FFF2-40B4-BE49-F238E27FC236}">
-                <a16:creationId xmlns:a16="http://schemas.microsoft.com/office/drawing/2014/main" id="{9D9EC19F-608F-FB41-9D38-794CA7A719B5}"/>
+                <a16:creationId xmlns:a16="http://schemas.microsoft.com/office/drawing/2014/main" xmlns="" id="{9D9EC19F-608F-FB41-9D38-794CA7A719B5}"/>
               </a:ext>
             </a:extLst>
           </p:cNvPr>
@@ -1936,7 +1937,7 @@
           <p:cNvPr id="2" name="Title 1">
             <a:extLst>
               <a:ext uri="{FF2B5EF4-FFF2-40B4-BE49-F238E27FC236}">
-                <a16:creationId xmlns:a16="http://schemas.microsoft.com/office/drawing/2014/main" id="{6A3204A3-0C25-E641-B4D6-C67E2FD5A282}"/>
+                <a16:creationId xmlns:a16="http://schemas.microsoft.com/office/drawing/2014/main" xmlns="" id="{6A3204A3-0C25-E641-B4D6-C67E2FD5A282}"/>
               </a:ext>
             </a:extLst>
           </p:cNvPr>
@@ -1965,7 +1966,7 @@
           <p:cNvPr id="3" name="Date Placeholder 2">
             <a:extLst>
               <a:ext uri="{FF2B5EF4-FFF2-40B4-BE49-F238E27FC236}">
-                <a16:creationId xmlns:a16="http://schemas.microsoft.com/office/drawing/2014/main" id="{424EB141-C916-A444-9521-5F66F194CAB5}"/>
+                <a16:creationId xmlns:a16="http://schemas.microsoft.com/office/drawing/2014/main" xmlns="" id="{424EB141-C916-A444-9521-5F66F194CAB5}"/>
               </a:ext>
             </a:extLst>
           </p:cNvPr>
@@ -1983,7 +1984,7 @@
           <a:p>
             <a:fld id="{44AD01FD-FBFA-0A44-8EDE-B29212FF824B}" type="datetimeFigureOut">
               <a:rPr lang="de-DE" smtClean="0"/>
-              <a:t>17.01.2020</a:t>
+              <a:t>19.01.20</a:t>
             </a:fld>
             <a:endParaRPr lang="de-DE"/>
           </a:p>
@@ -1994,7 +1995,7 @@
           <p:cNvPr id="4" name="Footer Placeholder 3">
             <a:extLst>
               <a:ext uri="{FF2B5EF4-FFF2-40B4-BE49-F238E27FC236}">
-                <a16:creationId xmlns:a16="http://schemas.microsoft.com/office/drawing/2014/main" id="{C0232652-03E7-4847-93ED-CFA64E08F194}"/>
+                <a16:creationId xmlns:a16="http://schemas.microsoft.com/office/drawing/2014/main" xmlns="" id="{C0232652-03E7-4847-93ED-CFA64E08F194}"/>
               </a:ext>
             </a:extLst>
           </p:cNvPr>
@@ -2019,7 +2020,7 @@
           <p:cNvPr id="5" name="Slide Number Placeholder 4">
             <a:extLst>
               <a:ext uri="{FF2B5EF4-FFF2-40B4-BE49-F238E27FC236}">
-                <a16:creationId xmlns:a16="http://schemas.microsoft.com/office/drawing/2014/main" id="{CDA1DFCD-26B5-6542-B150-F8B177ECB2A3}"/>
+                <a16:creationId xmlns:a16="http://schemas.microsoft.com/office/drawing/2014/main" xmlns="" id="{CDA1DFCD-26B5-6542-B150-F8B177ECB2A3}"/>
               </a:ext>
             </a:extLst>
           </p:cNvPr>
@@ -2078,7 +2079,7 @@
           <p:cNvPr id="2" name="Date Placeholder 1">
             <a:extLst>
               <a:ext uri="{FF2B5EF4-FFF2-40B4-BE49-F238E27FC236}">
-                <a16:creationId xmlns:a16="http://schemas.microsoft.com/office/drawing/2014/main" id="{FA24B274-9D2C-7F47-87D2-E477F994F30A}"/>
+                <a16:creationId xmlns:a16="http://schemas.microsoft.com/office/drawing/2014/main" xmlns="" id="{FA24B274-9D2C-7F47-87D2-E477F994F30A}"/>
               </a:ext>
             </a:extLst>
           </p:cNvPr>
@@ -2096,7 +2097,7 @@
           <a:p>
             <a:fld id="{44AD01FD-FBFA-0A44-8EDE-B29212FF824B}" type="datetimeFigureOut">
               <a:rPr lang="de-DE" smtClean="0"/>
-              <a:t>17.01.2020</a:t>
+              <a:t>19.01.20</a:t>
             </a:fld>
             <a:endParaRPr lang="de-DE"/>
           </a:p>
@@ -2107,7 +2108,7 @@
           <p:cNvPr id="3" name="Footer Placeholder 2">
             <a:extLst>
               <a:ext uri="{FF2B5EF4-FFF2-40B4-BE49-F238E27FC236}">
-                <a16:creationId xmlns:a16="http://schemas.microsoft.com/office/drawing/2014/main" id="{98648F31-A914-5F42-A834-F8C87C15D046}"/>
+                <a16:creationId xmlns:a16="http://schemas.microsoft.com/office/drawing/2014/main" xmlns="" id="{98648F31-A914-5F42-A834-F8C87C15D046}"/>
               </a:ext>
             </a:extLst>
           </p:cNvPr>
@@ -2132,7 +2133,7 @@
           <p:cNvPr id="4" name="Slide Number Placeholder 3">
             <a:extLst>
               <a:ext uri="{FF2B5EF4-FFF2-40B4-BE49-F238E27FC236}">
-                <a16:creationId xmlns:a16="http://schemas.microsoft.com/office/drawing/2014/main" id="{6FD2106D-DFFC-2441-81F9-92ED335B6E5E}"/>
+                <a16:creationId xmlns:a16="http://schemas.microsoft.com/office/drawing/2014/main" xmlns="" id="{6FD2106D-DFFC-2441-81F9-92ED335B6E5E}"/>
               </a:ext>
             </a:extLst>
           </p:cNvPr>
@@ -2191,7 +2192,7 @@
           <p:cNvPr id="2" name="Title 1">
             <a:extLst>
               <a:ext uri="{FF2B5EF4-FFF2-40B4-BE49-F238E27FC236}">
-                <a16:creationId xmlns:a16="http://schemas.microsoft.com/office/drawing/2014/main" id="{0D6A73A2-3F98-1748-95F9-742483882713}"/>
+                <a16:creationId xmlns:a16="http://schemas.microsoft.com/office/drawing/2014/main" xmlns="" id="{0D6A73A2-3F98-1748-95F9-742483882713}"/>
               </a:ext>
             </a:extLst>
           </p:cNvPr>
@@ -2229,7 +2230,7 @@
           <p:cNvPr id="3" name="Content Placeholder 2">
             <a:extLst>
               <a:ext uri="{FF2B5EF4-FFF2-40B4-BE49-F238E27FC236}">
-                <a16:creationId xmlns:a16="http://schemas.microsoft.com/office/drawing/2014/main" id="{0C0CAEDC-74B1-034A-B1E3-E7C852251494}"/>
+                <a16:creationId xmlns:a16="http://schemas.microsoft.com/office/drawing/2014/main" xmlns="" id="{0C0CAEDC-74B1-034A-B1E3-E7C852251494}"/>
               </a:ext>
             </a:extLst>
           </p:cNvPr>
@@ -2320,7 +2321,7 @@
           <p:cNvPr id="4" name="Text Placeholder 3">
             <a:extLst>
               <a:ext uri="{FF2B5EF4-FFF2-40B4-BE49-F238E27FC236}">
-                <a16:creationId xmlns:a16="http://schemas.microsoft.com/office/drawing/2014/main" id="{5CFAB50A-B418-E944-B109-A6F18ED40BDE}"/>
+                <a16:creationId xmlns:a16="http://schemas.microsoft.com/office/drawing/2014/main" xmlns="" id="{5CFAB50A-B418-E944-B109-A6F18ED40BDE}"/>
               </a:ext>
             </a:extLst>
           </p:cNvPr>
@@ -2391,7 +2392,7 @@
           <p:cNvPr id="5" name="Date Placeholder 4">
             <a:extLst>
               <a:ext uri="{FF2B5EF4-FFF2-40B4-BE49-F238E27FC236}">
-                <a16:creationId xmlns:a16="http://schemas.microsoft.com/office/drawing/2014/main" id="{41725BE9-EC58-FA44-BD5C-55E8E104D3D4}"/>
+                <a16:creationId xmlns:a16="http://schemas.microsoft.com/office/drawing/2014/main" xmlns="" id="{41725BE9-EC58-FA44-BD5C-55E8E104D3D4}"/>
               </a:ext>
             </a:extLst>
           </p:cNvPr>
@@ -2409,7 +2410,7 @@
           <a:p>
             <a:fld id="{44AD01FD-FBFA-0A44-8EDE-B29212FF824B}" type="datetimeFigureOut">
               <a:rPr lang="de-DE" smtClean="0"/>
-              <a:t>17.01.2020</a:t>
+              <a:t>19.01.20</a:t>
             </a:fld>
             <a:endParaRPr lang="de-DE"/>
           </a:p>
@@ -2420,7 +2421,7 @@
           <p:cNvPr id="6" name="Footer Placeholder 5">
             <a:extLst>
               <a:ext uri="{FF2B5EF4-FFF2-40B4-BE49-F238E27FC236}">
-                <a16:creationId xmlns:a16="http://schemas.microsoft.com/office/drawing/2014/main" id="{554A08BF-12A5-BD46-931F-C5185B60BD8D}"/>
+                <a16:creationId xmlns:a16="http://schemas.microsoft.com/office/drawing/2014/main" xmlns="" id="{554A08BF-12A5-BD46-931F-C5185B60BD8D}"/>
               </a:ext>
             </a:extLst>
           </p:cNvPr>
@@ -2445,7 +2446,7 @@
           <p:cNvPr id="7" name="Slide Number Placeholder 6">
             <a:extLst>
               <a:ext uri="{FF2B5EF4-FFF2-40B4-BE49-F238E27FC236}">
-                <a16:creationId xmlns:a16="http://schemas.microsoft.com/office/drawing/2014/main" id="{290D4951-A5A4-CC46-9B2B-132840DD625D}"/>
+                <a16:creationId xmlns:a16="http://schemas.microsoft.com/office/drawing/2014/main" xmlns="" id="{290D4951-A5A4-CC46-9B2B-132840DD625D}"/>
               </a:ext>
             </a:extLst>
           </p:cNvPr>
@@ -2504,7 +2505,7 @@
           <p:cNvPr id="2" name="Title 1">
             <a:extLst>
               <a:ext uri="{FF2B5EF4-FFF2-40B4-BE49-F238E27FC236}">
-                <a16:creationId xmlns:a16="http://schemas.microsoft.com/office/drawing/2014/main" id="{BDA13C2A-30AA-DA45-81A5-663C8C4026B7}"/>
+                <a16:creationId xmlns:a16="http://schemas.microsoft.com/office/drawing/2014/main" xmlns="" id="{BDA13C2A-30AA-DA45-81A5-663C8C4026B7}"/>
               </a:ext>
             </a:extLst>
           </p:cNvPr>
@@ -2542,7 +2543,7 @@
           <p:cNvPr id="3" name="Picture Placeholder 2">
             <a:extLst>
               <a:ext uri="{FF2B5EF4-FFF2-40B4-BE49-F238E27FC236}">
-                <a16:creationId xmlns:a16="http://schemas.microsoft.com/office/drawing/2014/main" id="{15F09842-526C-E944-A4AA-9832E20DD468}"/>
+                <a16:creationId xmlns:a16="http://schemas.microsoft.com/office/drawing/2014/main" xmlns="" id="{15F09842-526C-E944-A4AA-9832E20DD468}"/>
               </a:ext>
             </a:extLst>
           </p:cNvPr>
@@ -2609,7 +2610,7 @@
           <p:cNvPr id="4" name="Text Placeholder 3">
             <a:extLst>
               <a:ext uri="{FF2B5EF4-FFF2-40B4-BE49-F238E27FC236}">
-                <a16:creationId xmlns:a16="http://schemas.microsoft.com/office/drawing/2014/main" id="{2BC09A2E-1FDD-EC43-8DAF-58B6B5A20B07}"/>
+                <a16:creationId xmlns:a16="http://schemas.microsoft.com/office/drawing/2014/main" xmlns="" id="{2BC09A2E-1FDD-EC43-8DAF-58B6B5A20B07}"/>
               </a:ext>
             </a:extLst>
           </p:cNvPr>
@@ -2680,7 +2681,7 @@
           <p:cNvPr id="5" name="Date Placeholder 4">
             <a:extLst>
               <a:ext uri="{FF2B5EF4-FFF2-40B4-BE49-F238E27FC236}">
-                <a16:creationId xmlns:a16="http://schemas.microsoft.com/office/drawing/2014/main" id="{F36CE737-B218-3A41-84B8-5DAEDF6DF1C7}"/>
+                <a16:creationId xmlns:a16="http://schemas.microsoft.com/office/drawing/2014/main" xmlns="" id="{F36CE737-B218-3A41-84B8-5DAEDF6DF1C7}"/>
               </a:ext>
             </a:extLst>
           </p:cNvPr>
@@ -2698,7 +2699,7 @@
           <a:p>
             <a:fld id="{44AD01FD-FBFA-0A44-8EDE-B29212FF824B}" type="datetimeFigureOut">
               <a:rPr lang="de-DE" smtClean="0"/>
-              <a:t>17.01.2020</a:t>
+              <a:t>19.01.20</a:t>
             </a:fld>
             <a:endParaRPr lang="de-DE"/>
           </a:p>
@@ -2709,7 +2710,7 @@
           <p:cNvPr id="6" name="Footer Placeholder 5">
             <a:extLst>
               <a:ext uri="{FF2B5EF4-FFF2-40B4-BE49-F238E27FC236}">
-                <a16:creationId xmlns:a16="http://schemas.microsoft.com/office/drawing/2014/main" id="{0DC4380B-261B-734E-B944-DED9B0C0840D}"/>
+                <a16:creationId xmlns:a16="http://schemas.microsoft.com/office/drawing/2014/main" xmlns="" id="{0DC4380B-261B-734E-B944-DED9B0C0840D}"/>
               </a:ext>
             </a:extLst>
           </p:cNvPr>
@@ -2734,7 +2735,7 @@
           <p:cNvPr id="7" name="Slide Number Placeholder 6">
             <a:extLst>
               <a:ext uri="{FF2B5EF4-FFF2-40B4-BE49-F238E27FC236}">
-                <a16:creationId xmlns:a16="http://schemas.microsoft.com/office/drawing/2014/main" id="{94C8260A-35DA-0045-B38C-4C51F43DF9A3}"/>
+                <a16:creationId xmlns:a16="http://schemas.microsoft.com/office/drawing/2014/main" xmlns="" id="{94C8260A-35DA-0045-B38C-4C51F43DF9A3}"/>
               </a:ext>
             </a:extLst>
           </p:cNvPr>
@@ -2798,7 +2799,7 @@
           <p:cNvPr id="2" name="Title Placeholder 1">
             <a:extLst>
               <a:ext uri="{FF2B5EF4-FFF2-40B4-BE49-F238E27FC236}">
-                <a16:creationId xmlns:a16="http://schemas.microsoft.com/office/drawing/2014/main" id="{FAF46DFC-C3E3-3942-ADEC-03C5BE379FB6}"/>
+                <a16:creationId xmlns:a16="http://schemas.microsoft.com/office/drawing/2014/main" xmlns="" id="{FAF46DFC-C3E3-3942-ADEC-03C5BE379FB6}"/>
               </a:ext>
             </a:extLst>
           </p:cNvPr>
@@ -2837,7 +2838,7 @@
           <p:cNvPr id="3" name="Text Placeholder 2">
             <a:extLst>
               <a:ext uri="{FF2B5EF4-FFF2-40B4-BE49-F238E27FC236}">
-                <a16:creationId xmlns:a16="http://schemas.microsoft.com/office/drawing/2014/main" id="{D31CA475-AC27-3049-93D6-910FA9D5FC9D}"/>
+                <a16:creationId xmlns:a16="http://schemas.microsoft.com/office/drawing/2014/main" xmlns="" id="{D31CA475-AC27-3049-93D6-910FA9D5FC9D}"/>
               </a:ext>
             </a:extLst>
           </p:cNvPr>
@@ -2905,7 +2906,7 @@
           <p:cNvPr id="4" name="Date Placeholder 3">
             <a:extLst>
               <a:ext uri="{FF2B5EF4-FFF2-40B4-BE49-F238E27FC236}">
-                <a16:creationId xmlns:a16="http://schemas.microsoft.com/office/drawing/2014/main" id="{E7641B21-EE1E-464C-AF74-EFC72B0167F4}"/>
+                <a16:creationId xmlns:a16="http://schemas.microsoft.com/office/drawing/2014/main" xmlns="" id="{E7641B21-EE1E-464C-AF74-EFC72B0167F4}"/>
               </a:ext>
             </a:extLst>
           </p:cNvPr>
@@ -2941,7 +2942,7 @@
           <a:p>
             <a:fld id="{44AD01FD-FBFA-0A44-8EDE-B29212FF824B}" type="datetimeFigureOut">
               <a:rPr lang="de-DE" smtClean="0"/>
-              <a:t>17.01.2020</a:t>
+              <a:t>19.01.20</a:t>
             </a:fld>
             <a:endParaRPr lang="de-DE"/>
           </a:p>
@@ -2952,7 +2953,7 @@
           <p:cNvPr id="5" name="Footer Placeholder 4">
             <a:extLst>
               <a:ext uri="{FF2B5EF4-FFF2-40B4-BE49-F238E27FC236}">
-                <a16:creationId xmlns:a16="http://schemas.microsoft.com/office/drawing/2014/main" id="{63032BDF-2E13-B24C-B45F-2FC1E04D224E}"/>
+                <a16:creationId xmlns:a16="http://schemas.microsoft.com/office/drawing/2014/main" xmlns="" id="{63032BDF-2E13-B24C-B45F-2FC1E04D224E}"/>
               </a:ext>
             </a:extLst>
           </p:cNvPr>
@@ -2995,7 +2996,7 @@
           <p:cNvPr id="6" name="Slide Number Placeholder 5">
             <a:extLst>
               <a:ext uri="{FF2B5EF4-FFF2-40B4-BE49-F238E27FC236}">
-                <a16:creationId xmlns:a16="http://schemas.microsoft.com/office/drawing/2014/main" id="{25B9208C-DFCB-C942-8C7C-1726CB4DC567}"/>
+                <a16:creationId xmlns:a16="http://schemas.microsoft.com/office/drawing/2014/main" xmlns="" id="{25B9208C-DFCB-C942-8C7C-1726CB4DC567}"/>
               </a:ext>
             </a:extLst>
           </p:cNvPr>
@@ -3363,7 +3364,7 @@
           <p:cNvPr id="2" name="Title 1">
             <a:extLst>
               <a:ext uri="{FF2B5EF4-FFF2-40B4-BE49-F238E27FC236}">
-                <a16:creationId xmlns:a16="http://schemas.microsoft.com/office/drawing/2014/main" id="{437F39FA-8FC1-FE4A-9C54-95E4E0B4DED6}"/>
+                <a16:creationId xmlns:a16="http://schemas.microsoft.com/office/drawing/2014/main" xmlns="" id="{437F39FA-8FC1-FE4A-9C54-95E4E0B4DED6}"/>
               </a:ext>
             </a:extLst>
           </p:cNvPr>
@@ -3398,7 +3399,7 @@
           <p:cNvPr id="3" name="Subtitle 2">
             <a:extLst>
               <a:ext uri="{FF2B5EF4-FFF2-40B4-BE49-F238E27FC236}">
-                <a16:creationId xmlns:a16="http://schemas.microsoft.com/office/drawing/2014/main" id="{242723B2-067B-DD47-B24A-24D7D08295BE}"/>
+                <a16:creationId xmlns:a16="http://schemas.microsoft.com/office/drawing/2014/main" xmlns="" id="{242723B2-067B-DD47-B24A-24D7D08295BE}"/>
               </a:ext>
             </a:extLst>
           </p:cNvPr>
@@ -3459,7 +3460,7 @@
           <p:cNvPr id="5" name="Picture 4">
             <a:extLst>
               <a:ext uri="{FF2B5EF4-FFF2-40B4-BE49-F238E27FC236}">
-                <a16:creationId xmlns:a16="http://schemas.microsoft.com/office/drawing/2014/main" id="{BABB7AED-4AE5-9745-96FB-64BA69CD90E5}"/>
+                <a16:creationId xmlns:a16="http://schemas.microsoft.com/office/drawing/2014/main" xmlns="" id="{BABB7AED-4AE5-9745-96FB-64BA69CD90E5}"/>
               </a:ext>
             </a:extLst>
           </p:cNvPr>
@@ -3527,7 +3528,7 @@
           <p:cNvPr id="4" name="Inhaltsplatzhalter 3">
             <a:extLst>
               <a:ext uri="{FF2B5EF4-FFF2-40B4-BE49-F238E27FC236}">
-                <a16:creationId xmlns:a16="http://schemas.microsoft.com/office/drawing/2014/main" id="{8E5FF5DA-0301-407C-8D14-B3F382C637FC}"/>
+                <a16:creationId xmlns:a16="http://schemas.microsoft.com/office/drawing/2014/main" xmlns="" id="{8E5FF5DA-0301-407C-8D14-B3F382C637FC}"/>
               </a:ext>
             </a:extLst>
           </p:cNvPr>
@@ -3588,7 +3589,7 @@
           <p:cNvPr id="2" name="Titel 1">
             <a:extLst>
               <a:ext uri="{FF2B5EF4-FFF2-40B4-BE49-F238E27FC236}">
-                <a16:creationId xmlns:a16="http://schemas.microsoft.com/office/drawing/2014/main" id="{5745ADC9-6E27-4CAD-8925-1F7F3EA94B56}"/>
+                <a16:creationId xmlns:a16="http://schemas.microsoft.com/office/drawing/2014/main" xmlns="" id="{5745ADC9-6E27-4CAD-8925-1F7F3EA94B56}"/>
               </a:ext>
             </a:extLst>
           </p:cNvPr>
@@ -3619,7 +3620,7 @@
           <p:cNvPr id="4" name="Grafik 3">
             <a:extLst>
               <a:ext uri="{FF2B5EF4-FFF2-40B4-BE49-F238E27FC236}">
-                <a16:creationId xmlns:a16="http://schemas.microsoft.com/office/drawing/2014/main" id="{1AC5820A-5508-430D-A397-15C505D18441}"/>
+                <a16:creationId xmlns:a16="http://schemas.microsoft.com/office/drawing/2014/main" xmlns="" id="{1AC5820A-5508-430D-A397-15C505D18441}"/>
               </a:ext>
             </a:extLst>
           </p:cNvPr>
@@ -3679,7 +3680,7 @@
           <p:cNvPr id="2" name="Titel 1">
             <a:extLst>
               <a:ext uri="{FF2B5EF4-FFF2-40B4-BE49-F238E27FC236}">
-                <a16:creationId xmlns:a16="http://schemas.microsoft.com/office/drawing/2014/main" id="{2A1559DC-6036-438A-9E02-49CBAC0A8083}"/>
+                <a16:creationId xmlns:a16="http://schemas.microsoft.com/office/drawing/2014/main" xmlns="" id="{2A1559DC-6036-438A-9E02-49CBAC0A8083}"/>
               </a:ext>
             </a:extLst>
           </p:cNvPr>
@@ -3710,7 +3711,7 @@
           <p:cNvPr id="5" name="Grafik 4">
             <a:extLst>
               <a:ext uri="{FF2B5EF4-FFF2-40B4-BE49-F238E27FC236}">
-                <a16:creationId xmlns:a16="http://schemas.microsoft.com/office/drawing/2014/main" id="{3B802267-078F-49A3-9477-30F258E2FB02}"/>
+                <a16:creationId xmlns:a16="http://schemas.microsoft.com/office/drawing/2014/main" xmlns="" id="{3B802267-078F-49A3-9477-30F258E2FB02}"/>
               </a:ext>
             </a:extLst>
           </p:cNvPr>
@@ -3739,6 +3740,184 @@
     <p:extLst>
       <p:ext uri="{BB962C8B-B14F-4D97-AF65-F5344CB8AC3E}">
         <p14:creationId xmlns:p14="http://schemas.microsoft.com/office/powerpoint/2010/main" val="401833493"/>
+      </p:ext>
+    </p:extLst>
+  </p:cSld>
+  <p:clrMapOvr>
+    <a:masterClrMapping/>
+  </p:clrMapOvr>
+</p:sld>
+</file>
+
+<file path=ppt/slides/slide13.xml><?xml version="1.0" encoding="utf-8"?>
+<p:sld xmlns:a="http://schemas.openxmlformats.org/drawingml/2006/main" xmlns:r="http://schemas.openxmlformats.org/officeDocument/2006/relationships" xmlns:p="http://schemas.openxmlformats.org/presentationml/2006/main">
+  <p:cSld>
+    <p:spTree>
+      <p:nvGrpSpPr>
+        <p:cNvPr id="1" name=""/>
+        <p:cNvGrpSpPr/>
+        <p:nvPr/>
+      </p:nvGrpSpPr>
+      <p:grpSpPr>
+        <a:xfrm>
+          <a:off x="0" y="0"/>
+          <a:ext cx="0" cy="0"/>
+          <a:chOff x="0" y="0"/>
+          <a:chExt cx="0" cy="0"/>
+        </a:xfrm>
+      </p:grpSpPr>
+      <p:pic>
+        <p:nvPicPr>
+          <p:cNvPr id="6" name="Inhaltsplatzhalter 5"/>
+          <p:cNvPicPr>
+            <a:picLocks noGrp="1" noChangeAspect="1"/>
+          </p:cNvPicPr>
+          <p:nvPr>
+            <p:ph idx="1"/>
+          </p:nvPr>
+        </p:nvPicPr>
+        <p:blipFill>
+          <a:blip r:embed="rId2">
+            <a:extLst>
+              <a:ext uri="{28A0092B-C50C-407E-A947-70E740481C1C}">
+                <a14:useLocalDpi xmlns:a14="http://schemas.microsoft.com/office/drawing/2010/main" val="0"/>
+              </a:ext>
+            </a:extLst>
+          </a:blip>
+          <a:stretch>
+            <a:fillRect/>
+          </a:stretch>
+        </p:blipFill>
+        <p:spPr>
+          <a:xfrm>
+            <a:off x="196850" y="2508251"/>
+            <a:ext cx="4501387" cy="2800349"/>
+          </a:xfrm>
+        </p:spPr>
+      </p:pic>
+      <p:pic>
+        <p:nvPicPr>
+          <p:cNvPr id="7" name="Bild 6"/>
+          <p:cNvPicPr>
+            <a:picLocks noChangeAspect="1"/>
+          </p:cNvPicPr>
+          <p:nvPr/>
+        </p:nvPicPr>
+        <p:blipFill>
+          <a:blip r:embed="rId3">
+            <a:extLst>
+              <a:ext uri="{28A0092B-C50C-407E-A947-70E740481C1C}">
+                <a14:useLocalDpi xmlns:a14="http://schemas.microsoft.com/office/drawing/2010/main" val="0"/>
+              </a:ext>
+            </a:extLst>
+          </a:blip>
+          <a:stretch>
+            <a:fillRect/>
+          </a:stretch>
+        </p:blipFill>
+        <p:spPr>
+          <a:xfrm>
+            <a:off x="4870450" y="1978025"/>
+            <a:ext cx="7200900" cy="3860800"/>
+          </a:xfrm>
+          <a:prstGeom prst="rect">
+            <a:avLst/>
+          </a:prstGeom>
+        </p:spPr>
+      </p:pic>
+      <p:sp>
+        <p:nvSpPr>
+          <p:cNvPr id="8" name="Titel 1">
+            <a:extLst>
+              <a:ext uri="{FF2B5EF4-FFF2-40B4-BE49-F238E27FC236}">
+                <a16:creationId xmlns:a16="http://schemas.microsoft.com/office/drawing/2014/main" xmlns="" id="{2A1559DC-6036-438A-9E02-49CBAC0A8083}"/>
+              </a:ext>
+            </a:extLst>
+          </p:cNvPr>
+          <p:cNvSpPr txBox="1">
+            <a:spLocks/>
+          </p:cNvSpPr>
+          <p:nvPr/>
+        </p:nvSpPr>
+        <p:spPr>
+          <a:xfrm>
+            <a:off x="698500" y="303213"/>
+            <a:ext cx="10515600" cy="1325563"/>
+          </a:xfrm>
+          <a:prstGeom prst="rect">
+            <a:avLst/>
+          </a:prstGeom>
+        </p:spPr>
+        <p:txBody>
+          <a:bodyPr vert="horz" lIns="91440" tIns="45720" rIns="91440" bIns="45720" rtlCol="0" anchor="ctr">
+            <a:normAutofit/>
+          </a:bodyPr>
+          <a:lstStyle>
+            <a:lvl1pPr algn="l" defTabSz="914400" rtl="0" eaLnBrk="1" latinLnBrk="0" hangingPunct="1">
+              <a:lnSpc>
+                <a:spcPct val="90000"/>
+              </a:lnSpc>
+              <a:spcBef>
+                <a:spcPct val="0"/>
+              </a:spcBef>
+              <a:buNone/>
+              <a:defRPr sz="4400" kern="1200">
+                <a:solidFill>
+                  <a:schemeClr val="tx1"/>
+                </a:solidFill>
+                <a:latin typeface="+mj-lt"/>
+                <a:ea typeface="+mj-ea"/>
+                <a:cs typeface="+mj-cs"/>
+              </a:defRPr>
+            </a:lvl1pPr>
+          </a:lstStyle>
+          <a:p>
+            <a:r>
+              <a:rPr lang="de-DE" sz="5400" b="1" dirty="0" smtClean="0">
+                <a:latin typeface="Arial" panose="020B0604020202020204" pitchFamily="34" charset="0"/>
+                <a:cs typeface="Arial" panose="020B0604020202020204" pitchFamily="34" charset="0"/>
+              </a:rPr>
+              <a:t>Registrierung </a:t>
+            </a:r>
+            <a:endParaRPr lang="de-DE" sz="5400" b="1" dirty="0">
+              <a:latin typeface="Arial" panose="020B0604020202020204" pitchFamily="34" charset="0"/>
+              <a:cs typeface="Arial" panose="020B0604020202020204" pitchFamily="34" charset="0"/>
+            </a:endParaRPr>
+          </a:p>
+        </p:txBody>
+      </p:sp>
+      <p:sp>
+        <p:nvSpPr>
+          <p:cNvPr id="9" name="Titel 8"/>
+          <p:cNvSpPr>
+            <a:spLocks noGrp="1"/>
+          </p:cNvSpPr>
+          <p:nvPr>
+            <p:ph type="title"/>
+          </p:nvPr>
+        </p:nvSpPr>
+        <p:spPr>
+          <a:xfrm>
+            <a:off x="698500" y="2308225"/>
+            <a:ext cx="10515600" cy="1325563"/>
+          </a:xfrm>
+        </p:spPr>
+        <p:txBody>
+          <a:bodyPr/>
+          <a:lstStyle/>
+          <a:p>
+            <a:r>
+              <a:rPr lang="de-DE" dirty="0" smtClean="0"/>
+              <a:t> </a:t>
+            </a:r>
+            <a:endParaRPr lang="de-DE" dirty="0"/>
+          </a:p>
+        </p:txBody>
+      </p:sp>
+    </p:spTree>
+    <p:extLst>
+      <p:ext uri="{BB962C8B-B14F-4D97-AF65-F5344CB8AC3E}">
+        <p14:creationId xmlns:p14="http://schemas.microsoft.com/office/powerpoint/2010/main" val="320930144"/>
       </p:ext>
     </p:extLst>
   </p:cSld>
@@ -3770,7 +3949,7 @@
           <p:cNvPr id="2" name="Title 1">
             <a:extLst>
               <a:ext uri="{FF2B5EF4-FFF2-40B4-BE49-F238E27FC236}">
-                <a16:creationId xmlns:a16="http://schemas.microsoft.com/office/drawing/2014/main" id="{BA324A65-BC59-1E43-A178-CD70215CCF4E}"/>
+                <a16:creationId xmlns:a16="http://schemas.microsoft.com/office/drawing/2014/main" xmlns="" id="{BA324A65-BC59-1E43-A178-CD70215CCF4E}"/>
               </a:ext>
             </a:extLst>
           </p:cNvPr>
@@ -3801,7 +3980,7 @@
           <p:cNvPr id="3" name="Content Placeholder 2">
             <a:extLst>
               <a:ext uri="{FF2B5EF4-FFF2-40B4-BE49-F238E27FC236}">
-                <a16:creationId xmlns:a16="http://schemas.microsoft.com/office/drawing/2014/main" id="{A7D2D79E-6272-204E-B4B6-BF2005D23799}"/>
+                <a16:creationId xmlns:a16="http://schemas.microsoft.com/office/drawing/2014/main" xmlns="" id="{A7D2D79E-6272-204E-B4B6-BF2005D23799}"/>
               </a:ext>
             </a:extLst>
           </p:cNvPr>
@@ -3872,7 +4051,7 @@
           <p:cNvPr id="4" name="Picture 3">
             <a:extLst>
               <a:ext uri="{FF2B5EF4-FFF2-40B4-BE49-F238E27FC236}">
-                <a16:creationId xmlns:a16="http://schemas.microsoft.com/office/drawing/2014/main" id="{B4C7D569-E0D1-8D46-B3F3-80745D8D1807}"/>
+                <a16:creationId xmlns:a16="http://schemas.microsoft.com/office/drawing/2014/main" xmlns="" id="{B4C7D569-E0D1-8D46-B3F3-80745D8D1807}"/>
               </a:ext>
             </a:extLst>
           </p:cNvPr>
@@ -3932,7 +4111,7 @@
           <p:cNvPr id="2" name="Title 1">
             <a:extLst>
               <a:ext uri="{FF2B5EF4-FFF2-40B4-BE49-F238E27FC236}">
-                <a16:creationId xmlns:a16="http://schemas.microsoft.com/office/drawing/2014/main" id="{BA324A65-BC59-1E43-A178-CD70215CCF4E}"/>
+                <a16:creationId xmlns:a16="http://schemas.microsoft.com/office/drawing/2014/main" xmlns="" id="{BA324A65-BC59-1E43-A178-CD70215CCF4E}"/>
               </a:ext>
             </a:extLst>
           </p:cNvPr>
@@ -3963,7 +4142,7 @@
           <p:cNvPr id="3" name="Content Placeholder 2">
             <a:extLst>
               <a:ext uri="{FF2B5EF4-FFF2-40B4-BE49-F238E27FC236}">
-                <a16:creationId xmlns:a16="http://schemas.microsoft.com/office/drawing/2014/main" id="{A7D2D79E-6272-204E-B4B6-BF2005D23799}"/>
+                <a16:creationId xmlns:a16="http://schemas.microsoft.com/office/drawing/2014/main" xmlns="" id="{A7D2D79E-6272-204E-B4B6-BF2005D23799}"/>
               </a:ext>
             </a:extLst>
           </p:cNvPr>
@@ -4005,7 +4184,7 @@
           <p:cNvPr id="4" name="Picture 3">
             <a:extLst>
               <a:ext uri="{FF2B5EF4-FFF2-40B4-BE49-F238E27FC236}">
-                <a16:creationId xmlns:a16="http://schemas.microsoft.com/office/drawing/2014/main" id="{B4C7D569-E0D1-8D46-B3F3-80745D8D1807}"/>
+                <a16:creationId xmlns:a16="http://schemas.microsoft.com/office/drawing/2014/main" xmlns="" id="{B4C7D569-E0D1-8D46-B3F3-80745D8D1807}"/>
               </a:ext>
             </a:extLst>
           </p:cNvPr>
@@ -4035,7 +4214,7 @@
           <p:cNvPr id="5" name="Rectangle 4">
             <a:extLst>
               <a:ext uri="{FF2B5EF4-FFF2-40B4-BE49-F238E27FC236}">
-                <a16:creationId xmlns:a16="http://schemas.microsoft.com/office/drawing/2014/main" id="{6163EC90-A001-9943-BC77-07D3BC749428}"/>
+                <a16:creationId xmlns:a16="http://schemas.microsoft.com/office/drawing/2014/main" xmlns="" id="{6163EC90-A001-9943-BC77-07D3BC749428}"/>
               </a:ext>
             </a:extLst>
           </p:cNvPr>
@@ -4137,7 +4316,7 @@
           <p:cNvPr id="6" name="Picture 5">
             <a:extLst>
               <a:ext uri="{FF2B5EF4-FFF2-40B4-BE49-F238E27FC236}">
-                <a16:creationId xmlns:a16="http://schemas.microsoft.com/office/drawing/2014/main" id="{EFCDE624-8622-CB48-8F21-913A45906D69}"/>
+                <a16:creationId xmlns:a16="http://schemas.microsoft.com/office/drawing/2014/main" xmlns="" id="{EFCDE624-8622-CB48-8F21-913A45906D69}"/>
               </a:ext>
             </a:extLst>
           </p:cNvPr>
@@ -4167,7 +4346,7 @@
           <p:cNvPr id="7" name="TextBox 6">
             <a:extLst>
               <a:ext uri="{FF2B5EF4-FFF2-40B4-BE49-F238E27FC236}">
-                <a16:creationId xmlns:a16="http://schemas.microsoft.com/office/drawing/2014/main" id="{3C8F779A-52A7-7A45-8D97-1F56F7F967BD}"/>
+                <a16:creationId xmlns:a16="http://schemas.microsoft.com/office/drawing/2014/main" xmlns="" id="{3C8F779A-52A7-7A45-8D97-1F56F7F967BD}"/>
               </a:ext>
             </a:extLst>
           </p:cNvPr>
@@ -4209,7 +4388,7 @@
           <p:cNvPr id="8" name="Quad Arrow Callout 7">
             <a:extLst>
               <a:ext uri="{FF2B5EF4-FFF2-40B4-BE49-F238E27FC236}">
-                <a16:creationId xmlns:a16="http://schemas.microsoft.com/office/drawing/2014/main" id="{D3D3D298-0122-F24F-835F-E0DF97D37991}"/>
+                <a16:creationId xmlns:a16="http://schemas.microsoft.com/office/drawing/2014/main" xmlns="" id="{D3D3D298-0122-F24F-835F-E0DF97D37991}"/>
               </a:ext>
             </a:extLst>
           </p:cNvPr>
@@ -4255,7 +4434,7 @@
           <p:cNvPr id="9" name="TextBox 8">
             <a:extLst>
               <a:ext uri="{FF2B5EF4-FFF2-40B4-BE49-F238E27FC236}">
-                <a16:creationId xmlns:a16="http://schemas.microsoft.com/office/drawing/2014/main" id="{B4289F26-EEC6-A347-82BB-7A9C1A6503B8}"/>
+                <a16:creationId xmlns:a16="http://schemas.microsoft.com/office/drawing/2014/main" xmlns="" id="{B4289F26-EEC6-A347-82BB-7A9C1A6503B8}"/>
               </a:ext>
             </a:extLst>
           </p:cNvPr>
@@ -4320,7 +4499,7 @@
           <p:cNvPr id="11" name="Straight Arrow Connector 10">
             <a:extLst>
               <a:ext uri="{FF2B5EF4-FFF2-40B4-BE49-F238E27FC236}">
-                <a16:creationId xmlns:a16="http://schemas.microsoft.com/office/drawing/2014/main" id="{5DEDB08C-D97A-D647-8166-6AB6B236293E}"/>
+                <a16:creationId xmlns:a16="http://schemas.microsoft.com/office/drawing/2014/main" xmlns="" id="{5DEDB08C-D97A-D647-8166-6AB6B236293E}"/>
               </a:ext>
             </a:extLst>
           </p:cNvPr>
@@ -4361,7 +4540,7 @@
           <p:cNvPr id="13" name="TextBox 12">
             <a:extLst>
               <a:ext uri="{FF2B5EF4-FFF2-40B4-BE49-F238E27FC236}">
-                <a16:creationId xmlns:a16="http://schemas.microsoft.com/office/drawing/2014/main" id="{D8E3F55D-B452-EE43-A5E8-113A71E3D5E5}"/>
+                <a16:creationId xmlns:a16="http://schemas.microsoft.com/office/drawing/2014/main" xmlns="" id="{D8E3F55D-B452-EE43-A5E8-113A71E3D5E5}"/>
               </a:ext>
             </a:extLst>
           </p:cNvPr>
@@ -4403,7 +4582,7 @@
           <p:cNvPr id="14" name="Left-right Arrow 13">
             <a:extLst>
               <a:ext uri="{FF2B5EF4-FFF2-40B4-BE49-F238E27FC236}">
-                <a16:creationId xmlns:a16="http://schemas.microsoft.com/office/drawing/2014/main" id="{235AAF97-4749-7544-958B-2611B18EB990}"/>
+                <a16:creationId xmlns:a16="http://schemas.microsoft.com/office/drawing/2014/main" xmlns="" id="{235AAF97-4749-7544-958B-2611B18EB990}"/>
               </a:ext>
             </a:extLst>
           </p:cNvPr>
@@ -4449,7 +4628,7 @@
           <p:cNvPr id="15" name="Left-right Arrow 14">
             <a:extLst>
               <a:ext uri="{FF2B5EF4-FFF2-40B4-BE49-F238E27FC236}">
-                <a16:creationId xmlns:a16="http://schemas.microsoft.com/office/drawing/2014/main" id="{A7C26233-3BFD-D646-88D9-E32B066E86FE}"/>
+                <a16:creationId xmlns:a16="http://schemas.microsoft.com/office/drawing/2014/main" xmlns="" id="{A7C26233-3BFD-D646-88D9-E32B066E86FE}"/>
               </a:ext>
             </a:extLst>
           </p:cNvPr>
@@ -4495,7 +4674,7 @@
           <p:cNvPr id="17" name="Graphic 16" descr="Lock">
             <a:extLst>
               <a:ext uri="{FF2B5EF4-FFF2-40B4-BE49-F238E27FC236}">
-                <a16:creationId xmlns:a16="http://schemas.microsoft.com/office/drawing/2014/main" id="{DAB48CED-BAED-D741-9D13-0568B7376BBE}"/>
+                <a16:creationId xmlns:a16="http://schemas.microsoft.com/office/drawing/2014/main" xmlns="" id="{DAB48CED-BAED-D741-9D13-0568B7376BBE}"/>
               </a:ext>
             </a:extLst>
           </p:cNvPr>
@@ -4508,7 +4687,7 @@
           <a:blip r:embed="rId4">
             <a:extLst>
               <a:ext uri="{96DAC541-7B7A-43D3-8B79-37D633B846F1}">
-                <asvg:svgBlip xmlns:asvg="http://schemas.microsoft.com/office/drawing/2016/SVG/main" r:embed="rId5"/>
+                <asvg:svgBlip xmlns:asvg="http://schemas.microsoft.com/office/drawing/2016/SVG/main" xmlns="" r:embed="rId5"/>
               </a:ext>
             </a:extLst>
           </a:blip>
@@ -4531,7 +4710,7 @@
           <p:cNvPr id="19" name="TextBox 18">
             <a:extLst>
               <a:ext uri="{FF2B5EF4-FFF2-40B4-BE49-F238E27FC236}">
-                <a16:creationId xmlns:a16="http://schemas.microsoft.com/office/drawing/2014/main" id="{65F8C9E2-158C-4F4A-8014-DEC3F9BC16A0}"/>
+                <a16:creationId xmlns:a16="http://schemas.microsoft.com/office/drawing/2014/main" xmlns="" id="{65F8C9E2-158C-4F4A-8014-DEC3F9BC16A0}"/>
               </a:ext>
             </a:extLst>
           </p:cNvPr>
@@ -4603,7 +4782,7 @@
           <p:cNvPr id="4" name="Picture 3">
             <a:extLst>
               <a:ext uri="{FF2B5EF4-FFF2-40B4-BE49-F238E27FC236}">
-                <a16:creationId xmlns:a16="http://schemas.microsoft.com/office/drawing/2014/main" id="{B4C7D569-E0D1-8D46-B3F3-80745D8D1807}"/>
+                <a16:creationId xmlns:a16="http://schemas.microsoft.com/office/drawing/2014/main" xmlns="" id="{B4C7D569-E0D1-8D46-B3F3-80745D8D1807}"/>
               </a:ext>
             </a:extLst>
           </p:cNvPr>
@@ -4633,7 +4812,7 @@
           <p:cNvPr id="7" name="Picture 6">
             <a:extLst>
               <a:ext uri="{FF2B5EF4-FFF2-40B4-BE49-F238E27FC236}">
-                <a16:creationId xmlns:a16="http://schemas.microsoft.com/office/drawing/2014/main" id="{5C81353A-684C-834C-9CF0-EA1F478E654F}"/>
+                <a16:creationId xmlns:a16="http://schemas.microsoft.com/office/drawing/2014/main" xmlns="" id="{5C81353A-684C-834C-9CF0-EA1F478E654F}"/>
               </a:ext>
             </a:extLst>
           </p:cNvPr>
@@ -4663,7 +4842,7 @@
           <p:cNvPr id="9" name="Title 1">
             <a:extLst>
               <a:ext uri="{FF2B5EF4-FFF2-40B4-BE49-F238E27FC236}">
-                <a16:creationId xmlns:a16="http://schemas.microsoft.com/office/drawing/2014/main" id="{DB8398EE-1267-8945-B6CA-CA06116F0C60}"/>
+                <a16:creationId xmlns:a16="http://schemas.microsoft.com/office/drawing/2014/main" xmlns="" id="{DB8398EE-1267-8945-B6CA-CA06116F0C60}"/>
               </a:ext>
             </a:extLst>
           </p:cNvPr>
@@ -4729,7 +4908,7 @@
           <p:cNvPr id="4" name="Picture 3">
             <a:extLst>
               <a:ext uri="{FF2B5EF4-FFF2-40B4-BE49-F238E27FC236}">
-                <a16:creationId xmlns:a16="http://schemas.microsoft.com/office/drawing/2014/main" id="{B4C7D569-E0D1-8D46-B3F3-80745D8D1807}"/>
+                <a16:creationId xmlns:a16="http://schemas.microsoft.com/office/drawing/2014/main" xmlns="" id="{B4C7D569-E0D1-8D46-B3F3-80745D8D1807}"/>
               </a:ext>
             </a:extLst>
           </p:cNvPr>
@@ -4759,7 +4938,7 @@
           <p:cNvPr id="9" name="Title 1">
             <a:extLst>
               <a:ext uri="{FF2B5EF4-FFF2-40B4-BE49-F238E27FC236}">
-                <a16:creationId xmlns:a16="http://schemas.microsoft.com/office/drawing/2014/main" id="{DB8398EE-1267-8945-B6CA-CA06116F0C60}"/>
+                <a16:creationId xmlns:a16="http://schemas.microsoft.com/office/drawing/2014/main" xmlns="" id="{DB8398EE-1267-8945-B6CA-CA06116F0C60}"/>
               </a:ext>
             </a:extLst>
           </p:cNvPr>
@@ -4806,7 +4985,7 @@
           <p:cNvPr id="2" name="Picture 1">
             <a:extLst>
               <a:ext uri="{FF2B5EF4-FFF2-40B4-BE49-F238E27FC236}">
-                <a16:creationId xmlns:a16="http://schemas.microsoft.com/office/drawing/2014/main" id="{CEF8FA85-96B1-C046-8ABA-BECCF77A85CA}"/>
+                <a16:creationId xmlns:a16="http://schemas.microsoft.com/office/drawing/2014/main" xmlns="" id="{CEF8FA85-96B1-C046-8ABA-BECCF77A85CA}"/>
               </a:ext>
             </a:extLst>
           </p:cNvPr>
@@ -4865,7 +5044,7 @@
           <p:cNvPr id="4" name="Picture 3">
             <a:extLst>
               <a:ext uri="{FF2B5EF4-FFF2-40B4-BE49-F238E27FC236}">
-                <a16:creationId xmlns:a16="http://schemas.microsoft.com/office/drawing/2014/main" id="{B4C7D569-E0D1-8D46-B3F3-80745D8D1807}"/>
+                <a16:creationId xmlns:a16="http://schemas.microsoft.com/office/drawing/2014/main" xmlns="" id="{B4C7D569-E0D1-8D46-B3F3-80745D8D1807}"/>
               </a:ext>
             </a:extLst>
           </p:cNvPr>
@@ -4895,7 +5074,7 @@
           <p:cNvPr id="9" name="Title 1">
             <a:extLst>
               <a:ext uri="{FF2B5EF4-FFF2-40B4-BE49-F238E27FC236}">
-                <a16:creationId xmlns:a16="http://schemas.microsoft.com/office/drawing/2014/main" id="{DB8398EE-1267-8945-B6CA-CA06116F0C60}"/>
+                <a16:creationId xmlns:a16="http://schemas.microsoft.com/office/drawing/2014/main" xmlns="" id="{DB8398EE-1267-8945-B6CA-CA06116F0C60}"/>
               </a:ext>
             </a:extLst>
           </p:cNvPr>
@@ -4938,7 +5117,7 @@
           <p:cNvPr id="3" name="Picture 2">
             <a:extLst>
               <a:ext uri="{FF2B5EF4-FFF2-40B4-BE49-F238E27FC236}">
-                <a16:creationId xmlns:a16="http://schemas.microsoft.com/office/drawing/2014/main" id="{E83CFD68-8C48-1B40-A9A8-B873B765ADD2}"/>
+                <a16:creationId xmlns:a16="http://schemas.microsoft.com/office/drawing/2014/main" xmlns="" id="{E83CFD68-8C48-1B40-A9A8-B873B765ADD2}"/>
               </a:ext>
             </a:extLst>
           </p:cNvPr>
@@ -4968,7 +5147,7 @@
           <p:cNvPr id="5" name="Picture 4">
             <a:extLst>
               <a:ext uri="{FF2B5EF4-FFF2-40B4-BE49-F238E27FC236}">
-                <a16:creationId xmlns:a16="http://schemas.microsoft.com/office/drawing/2014/main" id="{C0DC5629-9BAB-4C48-89DC-8C4752D03926}"/>
+                <a16:creationId xmlns:a16="http://schemas.microsoft.com/office/drawing/2014/main" xmlns="" id="{C0DC5629-9BAB-4C48-89DC-8C4752D03926}"/>
               </a:ext>
             </a:extLst>
           </p:cNvPr>
@@ -4998,7 +5177,7 @@
           <p:cNvPr id="6" name="Picture 5">
             <a:extLst>
               <a:ext uri="{FF2B5EF4-FFF2-40B4-BE49-F238E27FC236}">
-                <a16:creationId xmlns:a16="http://schemas.microsoft.com/office/drawing/2014/main" id="{642449A7-6CD8-D349-9DD3-585AECA2EA25}"/>
+                <a16:creationId xmlns:a16="http://schemas.microsoft.com/office/drawing/2014/main" xmlns="" id="{642449A7-6CD8-D349-9DD3-585AECA2EA25}"/>
               </a:ext>
             </a:extLst>
           </p:cNvPr>
@@ -5028,7 +5207,7 @@
           <p:cNvPr id="7" name="Picture 6">
             <a:extLst>
               <a:ext uri="{FF2B5EF4-FFF2-40B4-BE49-F238E27FC236}">
-                <a16:creationId xmlns:a16="http://schemas.microsoft.com/office/drawing/2014/main" id="{D9546E66-CFD3-4C40-A9CA-A2470BA0A2BA}"/>
+                <a16:creationId xmlns:a16="http://schemas.microsoft.com/office/drawing/2014/main" xmlns="" id="{D9546E66-CFD3-4C40-A9CA-A2470BA0A2BA}"/>
               </a:ext>
             </a:extLst>
           </p:cNvPr>
@@ -5096,7 +5275,7 @@
           <p:cNvPr id="2" name="Titel 1">
             <a:extLst>
               <a:ext uri="{FF2B5EF4-FFF2-40B4-BE49-F238E27FC236}">
-                <a16:creationId xmlns:a16="http://schemas.microsoft.com/office/drawing/2014/main" id="{2E40D617-44C0-4336-AE02-7AD4D742035E}"/>
+                <a16:creationId xmlns:a16="http://schemas.microsoft.com/office/drawing/2014/main" xmlns="" id="{2E40D617-44C0-4336-AE02-7AD4D742035E}"/>
               </a:ext>
             </a:extLst>
           </p:cNvPr>
@@ -5137,7 +5316,7 @@
           <p:cNvPr id="4" name="Grafik 3">
             <a:extLst>
               <a:ext uri="{FF2B5EF4-FFF2-40B4-BE49-F238E27FC236}">
-                <a16:creationId xmlns:a16="http://schemas.microsoft.com/office/drawing/2014/main" id="{D9B073E3-A564-4B06-B026-48912B85E312}"/>
+                <a16:creationId xmlns:a16="http://schemas.microsoft.com/office/drawing/2014/main" xmlns="" id="{D9B073E3-A564-4B06-B026-48912B85E312}"/>
               </a:ext>
             </a:extLst>
           </p:cNvPr>
@@ -5197,7 +5376,7 @@
           <p:cNvPr id="2" name="Titel 1">
             <a:extLst>
               <a:ext uri="{FF2B5EF4-FFF2-40B4-BE49-F238E27FC236}">
-                <a16:creationId xmlns:a16="http://schemas.microsoft.com/office/drawing/2014/main" id="{1EDD0536-C7CA-46AB-91C3-1604087F4983}"/>
+                <a16:creationId xmlns:a16="http://schemas.microsoft.com/office/drawing/2014/main" xmlns="" id="{1EDD0536-C7CA-46AB-91C3-1604087F4983}"/>
               </a:ext>
             </a:extLst>
           </p:cNvPr>
@@ -5228,7 +5407,7 @@
           <p:cNvPr id="4" name="Grafik 3">
             <a:extLst>
               <a:ext uri="{FF2B5EF4-FFF2-40B4-BE49-F238E27FC236}">
-                <a16:creationId xmlns:a16="http://schemas.microsoft.com/office/drawing/2014/main" id="{8E1C3438-850B-4137-AA6D-177D8A0DAF19}"/>
+                <a16:creationId xmlns:a16="http://schemas.microsoft.com/office/drawing/2014/main" xmlns="" id="{8E1C3438-850B-4137-AA6D-177D8A0DAF19}"/>
               </a:ext>
             </a:extLst>
           </p:cNvPr>
@@ -5296,7 +5475,7 @@
           <p:cNvPr id="5" name="Grafik 4">
             <a:extLst>
               <a:ext uri="{FF2B5EF4-FFF2-40B4-BE49-F238E27FC236}">
-                <a16:creationId xmlns:a16="http://schemas.microsoft.com/office/drawing/2014/main" id="{E28F75CF-9E54-4E69-B175-30E9AE2CCC0D}"/>
+                <a16:creationId xmlns:a16="http://schemas.microsoft.com/office/drawing/2014/main" xmlns="" id="{E28F75CF-9E54-4E69-B175-30E9AE2CCC0D}"/>
               </a:ext>
             </a:extLst>
           </p:cNvPr>
@@ -5325,10 +5504,10 @@
           <p:cNvPr id="17" name="Freeform 5">
             <a:extLst>
               <a:ext uri="{FF2B5EF4-FFF2-40B4-BE49-F238E27FC236}">
-                <a16:creationId xmlns:a16="http://schemas.microsoft.com/office/drawing/2014/main" id="{87CC2527-562A-4F69-B487-4371E5B243E7}"/>
+                <a16:creationId xmlns:a16="http://schemas.microsoft.com/office/drawing/2014/main" xmlns="" id="{87CC2527-562A-4F69-B487-4371E5B243E7}"/>
               </a:ext>
               <a:ext uri="{C183D7F6-B498-43B3-948B-1728B52AA6E4}">
-                <adec:decorative xmlns:adec="http://schemas.microsoft.com/office/drawing/2017/decorative" val="1"/>
+                <adec:decorative xmlns:adec="http://schemas.microsoft.com/office/drawing/2017/decorative" xmlns="" val="1"/>
               </a:ext>
             </a:extLst>
           </p:cNvPr>
@@ -5338,7 +5517,7 @@
           <p:nvPr>
             <p:extLst>
               <p:ext uri="{386F3935-93C4-4BCD-93E2-E3B085C9AB24}">
-                <p16:designElem xmlns:p16="http://schemas.microsoft.com/office/powerpoint/2015/main" val="1"/>
+                <p16:designElem xmlns:p16="http://schemas.microsoft.com/office/powerpoint/2015/main" xmlns="" val="1"/>
               </p:ext>
             </p:extLst>
           </p:nvPr>
@@ -5467,7 +5646,7 @@
           <p:cNvPr id="2" name="Titel 1">
             <a:extLst>
               <a:ext uri="{FF2B5EF4-FFF2-40B4-BE49-F238E27FC236}">
-                <a16:creationId xmlns:a16="http://schemas.microsoft.com/office/drawing/2014/main" id="{E06BE3AC-3861-417D-8C18-AFC04AB761F2}"/>
+                <a16:creationId xmlns:a16="http://schemas.microsoft.com/office/drawing/2014/main" xmlns="" id="{E06BE3AC-3861-417D-8C18-AFC04AB761F2}"/>
               </a:ext>
             </a:extLst>
           </p:cNvPr>
@@ -5503,10 +5682,10 @@
           <p:cNvPr id="19" name="Straight Connector 18">
             <a:extLst>
               <a:ext uri="{FF2B5EF4-FFF2-40B4-BE49-F238E27FC236}">
-                <a16:creationId xmlns:a16="http://schemas.microsoft.com/office/drawing/2014/main" id="{BCDAEC91-5BCE-4B55-9CC0-43EF94CB734B}"/>
+                <a16:creationId xmlns:a16="http://schemas.microsoft.com/office/drawing/2014/main" xmlns="" id="{BCDAEC91-5BCE-4B55-9CC0-43EF94CB734B}"/>
               </a:ext>
               <a:ext uri="{C183D7F6-B498-43B3-948B-1728B52AA6E4}">
-                <adec:decorative xmlns:adec="http://schemas.microsoft.com/office/drawing/2017/decorative" val="1"/>
+                <adec:decorative xmlns:adec="http://schemas.microsoft.com/office/drawing/2017/decorative" xmlns="" val="1"/>
               </a:ext>
             </a:extLst>
           </p:cNvPr>
@@ -5516,7 +5695,7 @@
           <p:nvPr>
             <p:extLst>
               <p:ext uri="{386F3935-93C4-4BCD-93E2-E3B085C9AB24}">
-                <p16:designElem xmlns:p16="http://schemas.microsoft.com/office/powerpoint/2015/main" val="1"/>
+                <p16:designElem xmlns:p16="http://schemas.microsoft.com/office/powerpoint/2015/main" xmlns="" val="1"/>
               </p:ext>
             </p:extLst>
           </p:nvPr>
